--- a/docs/assets/article/Outlook-Search/1200x900.pptx
+++ b/docs/assets/article/Outlook-Search/1200x900.pptx
@@ -2,18 +2,18 @@
 <file path=ppt/presentation.xml><?xml version="1.0" encoding="utf-8"?>
 <p:presentation xmlns:a="http://schemas.openxmlformats.org/drawingml/2006/main" xmlns:r="http://schemas.openxmlformats.org/officeDocument/2006/relationships" xmlns:p="http://schemas.openxmlformats.org/presentationml/2006/main" saveSubsetFonts="1">
   <p:sldMasterIdLst>
-    <p:sldMasterId id="2147483648" r:id="rId1"/>
+    <p:sldMasterId id="2147483672" r:id="rId1"/>
   </p:sldMasterIdLst>
   <p:sldIdLst>
     <p:sldId id="256" r:id="rId2"/>
   </p:sldIdLst>
-  <p:sldSz cx="12192000" cy="6858000"/>
+  <p:sldSz cx="10972800" cy="8572500"/>
   <p:notesSz cx="6858000" cy="9144000"/>
   <p:defaultTextStyle>
     <a:defPPr>
       <a:defRPr lang="en-US"/>
     </a:defPPr>
-    <a:lvl1pPr marL="0" algn="l" defTabSz="914400" rtl="0" eaLnBrk="1" latinLnBrk="0" hangingPunct="1">
+    <a:lvl1pPr marL="0" algn="l" defTabSz="457200" rtl="0" eaLnBrk="1" latinLnBrk="0" hangingPunct="1">
       <a:defRPr sz="1800" kern="1200">
         <a:solidFill>
           <a:schemeClr val="tx1"/>
@@ -23,7 +23,7 @@
         <a:cs typeface="+mn-cs"/>
       </a:defRPr>
     </a:lvl1pPr>
-    <a:lvl2pPr marL="457200" algn="l" defTabSz="914400" rtl="0" eaLnBrk="1" latinLnBrk="0" hangingPunct="1">
+    <a:lvl2pPr marL="457200" algn="l" defTabSz="457200" rtl="0" eaLnBrk="1" latinLnBrk="0" hangingPunct="1">
       <a:defRPr sz="1800" kern="1200">
         <a:solidFill>
           <a:schemeClr val="tx1"/>
@@ -33,7 +33,7 @@
         <a:cs typeface="+mn-cs"/>
       </a:defRPr>
     </a:lvl2pPr>
-    <a:lvl3pPr marL="914400" algn="l" defTabSz="914400" rtl="0" eaLnBrk="1" latinLnBrk="0" hangingPunct="1">
+    <a:lvl3pPr marL="914400" algn="l" defTabSz="457200" rtl="0" eaLnBrk="1" latinLnBrk="0" hangingPunct="1">
       <a:defRPr sz="1800" kern="1200">
         <a:solidFill>
           <a:schemeClr val="tx1"/>
@@ -43,7 +43,7 @@
         <a:cs typeface="+mn-cs"/>
       </a:defRPr>
     </a:lvl3pPr>
-    <a:lvl4pPr marL="1371600" algn="l" defTabSz="914400" rtl="0" eaLnBrk="1" latinLnBrk="0" hangingPunct="1">
+    <a:lvl4pPr marL="1371600" algn="l" defTabSz="457200" rtl="0" eaLnBrk="1" latinLnBrk="0" hangingPunct="1">
       <a:defRPr sz="1800" kern="1200">
         <a:solidFill>
           <a:schemeClr val="tx1"/>
@@ -53,7 +53,7 @@
         <a:cs typeface="+mn-cs"/>
       </a:defRPr>
     </a:lvl4pPr>
-    <a:lvl5pPr marL="1828800" algn="l" defTabSz="914400" rtl="0" eaLnBrk="1" latinLnBrk="0" hangingPunct="1">
+    <a:lvl5pPr marL="1828800" algn="l" defTabSz="457200" rtl="0" eaLnBrk="1" latinLnBrk="0" hangingPunct="1">
       <a:defRPr sz="1800" kern="1200">
         <a:solidFill>
           <a:schemeClr val="tx1"/>
@@ -63,7 +63,7 @@
         <a:cs typeface="+mn-cs"/>
       </a:defRPr>
     </a:lvl5pPr>
-    <a:lvl6pPr marL="2286000" algn="l" defTabSz="914400" rtl="0" eaLnBrk="1" latinLnBrk="0" hangingPunct="1">
+    <a:lvl6pPr marL="2286000" algn="l" defTabSz="457200" rtl="0" eaLnBrk="1" latinLnBrk="0" hangingPunct="1">
       <a:defRPr sz="1800" kern="1200">
         <a:solidFill>
           <a:schemeClr val="tx1"/>
@@ -73,7 +73,7 @@
         <a:cs typeface="+mn-cs"/>
       </a:defRPr>
     </a:lvl6pPr>
-    <a:lvl7pPr marL="2743200" algn="l" defTabSz="914400" rtl="0" eaLnBrk="1" latinLnBrk="0" hangingPunct="1">
+    <a:lvl7pPr marL="2743200" algn="l" defTabSz="457200" rtl="0" eaLnBrk="1" latinLnBrk="0" hangingPunct="1">
       <a:defRPr sz="1800" kern="1200">
         <a:solidFill>
           <a:schemeClr val="tx1"/>
@@ -83,7 +83,7 @@
         <a:cs typeface="+mn-cs"/>
       </a:defRPr>
     </a:lvl7pPr>
-    <a:lvl8pPr marL="3200400" algn="l" defTabSz="914400" rtl="0" eaLnBrk="1" latinLnBrk="0" hangingPunct="1">
+    <a:lvl8pPr marL="3200400" algn="l" defTabSz="457200" rtl="0" eaLnBrk="1" latinLnBrk="0" hangingPunct="1">
       <a:defRPr sz="1800" kern="1200">
         <a:solidFill>
           <a:schemeClr val="tx1"/>
@@ -93,7 +93,7 @@
         <a:cs typeface="+mn-cs"/>
       </a:defRPr>
     </a:lvl8pPr>
-    <a:lvl9pPr marL="3657600" algn="l" defTabSz="914400" rtl="0" eaLnBrk="1" latinLnBrk="0" hangingPunct="1">
+    <a:lvl9pPr marL="3657600" algn="l" defTabSz="457200" rtl="0" eaLnBrk="1" latinLnBrk="0" hangingPunct="1">
       <a:defRPr sz="1800" kern="1200">
         <a:solidFill>
           <a:schemeClr val="tx1"/>
@@ -131,13 +131,7 @@
       </p:grpSpPr>
       <p:sp>
         <p:nvSpPr>
-          <p:cNvPr id="2" name="Title 1">
-            <a:extLst>
-              <a:ext uri="{FF2B5EF4-FFF2-40B4-BE49-F238E27FC236}">
-                <a16:creationId xmlns:a16="http://schemas.microsoft.com/office/drawing/2014/main" id="{D9B42745-A8CB-486B-9770-EA26F6D1944C}"/>
-              </a:ext>
-            </a:extLst>
-          </p:cNvPr>
+          <p:cNvPr id="2" name="Title 1"/>
           <p:cNvSpPr>
             <a:spLocks noGrp="1"/>
           </p:cNvSpPr>
@@ -147,15 +141,15 @@
         </p:nvSpPr>
         <p:spPr>
           <a:xfrm>
-            <a:off x="1524000" y="1122363"/>
-            <a:ext cx="9144000" cy="2387600"/>
+            <a:off x="822960" y="1402954"/>
+            <a:ext cx="9326880" cy="2984500"/>
           </a:xfrm>
         </p:spPr>
         <p:txBody>
           <a:bodyPr anchor="b"/>
           <a:lstStyle>
             <a:lvl1pPr algn="ctr">
-              <a:defRPr sz="6000"/>
+              <a:defRPr sz="7200"/>
             </a:lvl1pPr>
           </a:lstStyle>
           <a:p>
@@ -163,18 +157,13 @@
               <a:rPr lang="en-US"/>
               <a:t>Click to edit Master title style</a:t>
             </a:r>
-          </a:p>
-        </p:txBody>
-      </p:sp>
-      <p:sp>
-        <p:nvSpPr>
-          <p:cNvPr id="3" name="Subtitle 2">
-            <a:extLst>
-              <a:ext uri="{FF2B5EF4-FFF2-40B4-BE49-F238E27FC236}">
-                <a16:creationId xmlns:a16="http://schemas.microsoft.com/office/drawing/2014/main" id="{75194406-8F85-4550-9172-998B675ADA29}"/>
-              </a:ext>
-            </a:extLst>
-          </p:cNvPr>
+            <a:endParaRPr lang="en-US" dirty="0"/>
+          </a:p>
+        </p:txBody>
+      </p:sp>
+      <p:sp>
+        <p:nvSpPr>
+          <p:cNvPr id="3" name="Subtitle 2"/>
           <p:cNvSpPr>
             <a:spLocks noGrp="1"/>
           </p:cNvSpPr>
@@ -184,8 +173,8 @@
         </p:nvSpPr>
         <p:spPr>
           <a:xfrm>
-            <a:off x="1524000" y="3602038"/>
-            <a:ext cx="9144000" cy="1655762"/>
+            <a:off x="1371600" y="4502547"/>
+            <a:ext cx="8229600" cy="2069703"/>
           </a:xfrm>
         </p:spPr>
         <p:txBody>
@@ -193,39 +182,39 @@
           <a:lstStyle>
             <a:lvl1pPr marL="0" indent="0" algn="ctr">
               <a:buNone/>
+              <a:defRPr sz="2880"/>
+            </a:lvl1pPr>
+            <a:lvl2pPr marL="548640" indent="0" algn="ctr">
+              <a:buNone/>
               <a:defRPr sz="2400"/>
-            </a:lvl1pPr>
-            <a:lvl2pPr marL="457200" indent="0" algn="ctr">
-              <a:buNone/>
-              <a:defRPr sz="2000"/>
             </a:lvl2pPr>
-            <a:lvl3pPr marL="914400" indent="0" algn="ctr">
-              <a:buNone/>
-              <a:defRPr sz="1800"/>
+            <a:lvl3pPr marL="1097280" indent="0" algn="ctr">
+              <a:buNone/>
+              <a:defRPr sz="2160"/>
             </a:lvl3pPr>
-            <a:lvl4pPr marL="1371600" indent="0" algn="ctr">
-              <a:buNone/>
-              <a:defRPr sz="1600"/>
+            <a:lvl4pPr marL="1645920" indent="0" algn="ctr">
+              <a:buNone/>
+              <a:defRPr sz="1920"/>
             </a:lvl4pPr>
-            <a:lvl5pPr marL="1828800" indent="0" algn="ctr">
-              <a:buNone/>
-              <a:defRPr sz="1600"/>
+            <a:lvl5pPr marL="2194560" indent="0" algn="ctr">
+              <a:buNone/>
+              <a:defRPr sz="1920"/>
             </a:lvl5pPr>
-            <a:lvl6pPr marL="2286000" indent="0" algn="ctr">
-              <a:buNone/>
-              <a:defRPr sz="1600"/>
+            <a:lvl6pPr marL="2743200" indent="0" algn="ctr">
+              <a:buNone/>
+              <a:defRPr sz="1920"/>
             </a:lvl6pPr>
-            <a:lvl7pPr marL="2743200" indent="0" algn="ctr">
-              <a:buNone/>
-              <a:defRPr sz="1600"/>
+            <a:lvl7pPr marL="3291840" indent="0" algn="ctr">
+              <a:buNone/>
+              <a:defRPr sz="1920"/>
             </a:lvl7pPr>
-            <a:lvl8pPr marL="3200400" indent="0" algn="ctr">
-              <a:buNone/>
-              <a:defRPr sz="1600"/>
+            <a:lvl8pPr marL="3840480" indent="0" algn="ctr">
+              <a:buNone/>
+              <a:defRPr sz="1920"/>
             </a:lvl8pPr>
-            <a:lvl9pPr marL="3657600" indent="0" algn="ctr">
-              <a:buNone/>
-              <a:defRPr sz="1600"/>
+            <a:lvl9pPr marL="4389120" indent="0" algn="ctr">
+              <a:buNone/>
+              <a:defRPr sz="1920"/>
             </a:lvl9pPr>
           </a:lstStyle>
           <a:p>
@@ -233,18 +222,13 @@
               <a:rPr lang="en-US"/>
               <a:t>Click to edit Master subtitle style</a:t>
             </a:r>
-          </a:p>
-        </p:txBody>
-      </p:sp>
-      <p:sp>
-        <p:nvSpPr>
-          <p:cNvPr id="4" name="Date Placeholder 3">
-            <a:extLst>
-              <a:ext uri="{FF2B5EF4-FFF2-40B4-BE49-F238E27FC236}">
-                <a16:creationId xmlns:a16="http://schemas.microsoft.com/office/drawing/2014/main" id="{420B7FC8-72C1-4C0D-8EFD-A04AEC1D1588}"/>
-              </a:ext>
-            </a:extLst>
-          </p:cNvPr>
+            <a:endParaRPr lang="en-US" dirty="0"/>
+          </a:p>
+        </p:txBody>
+      </p:sp>
+      <p:sp>
+        <p:nvSpPr>
+          <p:cNvPr id="4" name="Date Placeholder 3"/>
           <p:cNvSpPr>
             <a:spLocks noGrp="1"/>
           </p:cNvSpPr>
@@ -259,7 +243,7 @@
           <a:p>
             <a:fld id="{8D291730-3569-4027-A8D7-C91FF762B74B}" type="datetimeFigureOut">
               <a:rPr lang="en-US" smtClean="0"/>
-              <a:t>5/3/2018</a:t>
+              <a:t>6/5/2018</a:t>
             </a:fld>
             <a:endParaRPr lang="en-US"/>
           </a:p>
@@ -267,13 +251,7 @@
       </p:sp>
       <p:sp>
         <p:nvSpPr>
-          <p:cNvPr id="5" name="Footer Placeholder 4">
-            <a:extLst>
-              <a:ext uri="{FF2B5EF4-FFF2-40B4-BE49-F238E27FC236}">
-                <a16:creationId xmlns:a16="http://schemas.microsoft.com/office/drawing/2014/main" id="{A3A1629E-2E2E-417D-848E-BCC07F23D2C9}"/>
-              </a:ext>
-            </a:extLst>
-          </p:cNvPr>
+          <p:cNvPr id="5" name="Footer Placeholder 4"/>
           <p:cNvSpPr>
             <a:spLocks noGrp="1"/>
           </p:cNvSpPr>
@@ -292,13 +270,7 @@
       </p:sp>
       <p:sp>
         <p:nvSpPr>
-          <p:cNvPr id="6" name="Slide Number Placeholder 5">
-            <a:extLst>
-              <a:ext uri="{FF2B5EF4-FFF2-40B4-BE49-F238E27FC236}">
-                <a16:creationId xmlns:a16="http://schemas.microsoft.com/office/drawing/2014/main" id="{870F7D5E-EC8F-4BE3-AB48-676E3A4FAAA5}"/>
-              </a:ext>
-            </a:extLst>
-          </p:cNvPr>
+          <p:cNvPr id="6" name="Slide Number Placeholder 5"/>
           <p:cNvSpPr>
             <a:spLocks noGrp="1"/>
           </p:cNvSpPr>
@@ -322,7 +294,7 @@
     </p:spTree>
     <p:extLst>
       <p:ext uri="{BB962C8B-B14F-4D97-AF65-F5344CB8AC3E}">
-        <p14:creationId xmlns:p14="http://schemas.microsoft.com/office/powerpoint/2010/main" val="3897068569"/>
+        <p14:creationId xmlns:p14="http://schemas.microsoft.com/office/powerpoint/2010/main" val="2493763641"/>
       </p:ext>
     </p:extLst>
   </p:cSld>
@@ -351,13 +323,7 @@
       </p:grpSpPr>
       <p:sp>
         <p:nvSpPr>
-          <p:cNvPr id="2" name="Title 1">
-            <a:extLst>
-              <a:ext uri="{FF2B5EF4-FFF2-40B4-BE49-F238E27FC236}">
-                <a16:creationId xmlns:a16="http://schemas.microsoft.com/office/drawing/2014/main" id="{135BC407-611F-4DF0-A854-F4F9512F4541}"/>
-              </a:ext>
-            </a:extLst>
-          </p:cNvPr>
+          <p:cNvPr id="2" name="Title 1"/>
           <p:cNvSpPr>
             <a:spLocks noGrp="1"/>
           </p:cNvSpPr>
@@ -374,18 +340,13 @@
               <a:rPr lang="en-US"/>
               <a:t>Click to edit Master title style</a:t>
             </a:r>
-          </a:p>
-        </p:txBody>
-      </p:sp>
-      <p:sp>
-        <p:nvSpPr>
-          <p:cNvPr id="3" name="Vertical Text Placeholder 2">
-            <a:extLst>
-              <a:ext uri="{FF2B5EF4-FFF2-40B4-BE49-F238E27FC236}">
-                <a16:creationId xmlns:a16="http://schemas.microsoft.com/office/drawing/2014/main" id="{0E65D968-303F-4614-BC27-4AE384ED6E5D}"/>
-              </a:ext>
-            </a:extLst>
-          </p:cNvPr>
+            <a:endParaRPr lang="en-US" dirty="0"/>
+          </a:p>
+        </p:txBody>
+      </p:sp>
+      <p:sp>
+        <p:nvSpPr>
+          <p:cNvPr id="3" name="Vertical Text Placeholder 2"/>
           <p:cNvSpPr>
             <a:spLocks noGrp="1"/>
           </p:cNvSpPr>
@@ -431,18 +392,13 @@
               <a:rPr lang="en-US"/>
               <a:t>Fifth level</a:t>
             </a:r>
-          </a:p>
-        </p:txBody>
-      </p:sp>
-      <p:sp>
-        <p:nvSpPr>
-          <p:cNvPr id="4" name="Date Placeholder 3">
-            <a:extLst>
-              <a:ext uri="{FF2B5EF4-FFF2-40B4-BE49-F238E27FC236}">
-                <a16:creationId xmlns:a16="http://schemas.microsoft.com/office/drawing/2014/main" id="{78CC4812-CE3D-43CD-84B2-370DF5947A01}"/>
-              </a:ext>
-            </a:extLst>
-          </p:cNvPr>
+            <a:endParaRPr lang="en-US" dirty="0"/>
+          </a:p>
+        </p:txBody>
+      </p:sp>
+      <p:sp>
+        <p:nvSpPr>
+          <p:cNvPr id="4" name="Date Placeholder 3"/>
           <p:cNvSpPr>
             <a:spLocks noGrp="1"/>
           </p:cNvSpPr>
@@ -457,7 +413,7 @@
           <a:p>
             <a:fld id="{8D291730-3569-4027-A8D7-C91FF762B74B}" type="datetimeFigureOut">
               <a:rPr lang="en-US" smtClean="0"/>
-              <a:t>5/3/2018</a:t>
+              <a:t>6/5/2018</a:t>
             </a:fld>
             <a:endParaRPr lang="en-US"/>
           </a:p>
@@ -465,13 +421,7 @@
       </p:sp>
       <p:sp>
         <p:nvSpPr>
-          <p:cNvPr id="5" name="Footer Placeholder 4">
-            <a:extLst>
-              <a:ext uri="{FF2B5EF4-FFF2-40B4-BE49-F238E27FC236}">
-                <a16:creationId xmlns:a16="http://schemas.microsoft.com/office/drawing/2014/main" id="{8FD53509-CCA1-4662-9B72-BF7AF54D617D}"/>
-              </a:ext>
-            </a:extLst>
-          </p:cNvPr>
+          <p:cNvPr id="5" name="Footer Placeholder 4"/>
           <p:cNvSpPr>
             <a:spLocks noGrp="1"/>
           </p:cNvSpPr>
@@ -490,13 +440,7 @@
       </p:sp>
       <p:sp>
         <p:nvSpPr>
-          <p:cNvPr id="6" name="Slide Number Placeholder 5">
-            <a:extLst>
-              <a:ext uri="{FF2B5EF4-FFF2-40B4-BE49-F238E27FC236}">
-                <a16:creationId xmlns:a16="http://schemas.microsoft.com/office/drawing/2014/main" id="{A4D24EC0-3DD6-42AC-A25C-6EC6B53FFE9B}"/>
-              </a:ext>
-            </a:extLst>
-          </p:cNvPr>
+          <p:cNvPr id="6" name="Slide Number Placeholder 5"/>
           <p:cNvSpPr>
             <a:spLocks noGrp="1"/>
           </p:cNvSpPr>
@@ -520,7 +464,7 @@
     </p:spTree>
     <p:extLst>
       <p:ext uri="{BB962C8B-B14F-4D97-AF65-F5344CB8AC3E}">
-        <p14:creationId xmlns:p14="http://schemas.microsoft.com/office/powerpoint/2010/main" val="4064916346"/>
+        <p14:creationId xmlns:p14="http://schemas.microsoft.com/office/powerpoint/2010/main" val="3862139931"/>
       </p:ext>
     </p:extLst>
   </p:cSld>
@@ -549,13 +493,7 @@
       </p:grpSpPr>
       <p:sp>
         <p:nvSpPr>
-          <p:cNvPr id="2" name="Vertical Title 1">
-            <a:extLst>
-              <a:ext uri="{FF2B5EF4-FFF2-40B4-BE49-F238E27FC236}">
-                <a16:creationId xmlns:a16="http://schemas.microsoft.com/office/drawing/2014/main" id="{1789A6FC-103D-4B68-AF52-A22E1CDA4A04}"/>
-              </a:ext>
-            </a:extLst>
-          </p:cNvPr>
+          <p:cNvPr id="2" name="Vertical Title 1"/>
           <p:cNvSpPr>
             <a:spLocks noGrp="1"/>
           </p:cNvSpPr>
@@ -565,8 +503,8 @@
         </p:nvSpPr>
         <p:spPr>
           <a:xfrm>
-            <a:off x="8724900" y="365125"/>
-            <a:ext cx="2628900" cy="5811838"/>
+            <a:off x="7852411" y="456406"/>
+            <a:ext cx="2366010" cy="7264798"/>
           </a:xfrm>
         </p:spPr>
         <p:txBody>
@@ -577,18 +515,13 @@
               <a:rPr lang="en-US"/>
               <a:t>Click to edit Master title style</a:t>
             </a:r>
-          </a:p>
-        </p:txBody>
-      </p:sp>
-      <p:sp>
-        <p:nvSpPr>
-          <p:cNvPr id="3" name="Vertical Text Placeholder 2">
-            <a:extLst>
-              <a:ext uri="{FF2B5EF4-FFF2-40B4-BE49-F238E27FC236}">
-                <a16:creationId xmlns:a16="http://schemas.microsoft.com/office/drawing/2014/main" id="{9B1E2036-83DC-4539-A076-9DD6D90EF261}"/>
-              </a:ext>
-            </a:extLst>
-          </p:cNvPr>
+            <a:endParaRPr lang="en-US" dirty="0"/>
+          </a:p>
+        </p:txBody>
+      </p:sp>
+      <p:sp>
+        <p:nvSpPr>
+          <p:cNvPr id="3" name="Vertical Text Placeholder 2"/>
           <p:cNvSpPr>
             <a:spLocks noGrp="1"/>
           </p:cNvSpPr>
@@ -598,8 +531,8 @@
         </p:nvSpPr>
         <p:spPr>
           <a:xfrm>
-            <a:off x="838200" y="365125"/>
-            <a:ext cx="7734300" cy="5811838"/>
+            <a:off x="754381" y="456406"/>
+            <a:ext cx="6960870" cy="7264798"/>
           </a:xfrm>
         </p:spPr>
         <p:txBody>
@@ -639,18 +572,13 @@
               <a:rPr lang="en-US"/>
               <a:t>Fifth level</a:t>
             </a:r>
-          </a:p>
-        </p:txBody>
-      </p:sp>
-      <p:sp>
-        <p:nvSpPr>
-          <p:cNvPr id="4" name="Date Placeholder 3">
-            <a:extLst>
-              <a:ext uri="{FF2B5EF4-FFF2-40B4-BE49-F238E27FC236}">
-                <a16:creationId xmlns:a16="http://schemas.microsoft.com/office/drawing/2014/main" id="{12CC2821-BCC8-4085-ACA5-1788AD2A7D3D}"/>
-              </a:ext>
-            </a:extLst>
-          </p:cNvPr>
+            <a:endParaRPr lang="en-US" dirty="0"/>
+          </a:p>
+        </p:txBody>
+      </p:sp>
+      <p:sp>
+        <p:nvSpPr>
+          <p:cNvPr id="4" name="Date Placeholder 3"/>
           <p:cNvSpPr>
             <a:spLocks noGrp="1"/>
           </p:cNvSpPr>
@@ -665,7 +593,7 @@
           <a:p>
             <a:fld id="{8D291730-3569-4027-A8D7-C91FF762B74B}" type="datetimeFigureOut">
               <a:rPr lang="en-US" smtClean="0"/>
-              <a:t>5/3/2018</a:t>
+              <a:t>6/5/2018</a:t>
             </a:fld>
             <a:endParaRPr lang="en-US"/>
           </a:p>
@@ -673,13 +601,7 @@
       </p:sp>
       <p:sp>
         <p:nvSpPr>
-          <p:cNvPr id="5" name="Footer Placeholder 4">
-            <a:extLst>
-              <a:ext uri="{FF2B5EF4-FFF2-40B4-BE49-F238E27FC236}">
-                <a16:creationId xmlns:a16="http://schemas.microsoft.com/office/drawing/2014/main" id="{99D441B2-7D77-480D-B676-093F11B9B1DD}"/>
-              </a:ext>
-            </a:extLst>
-          </p:cNvPr>
+          <p:cNvPr id="5" name="Footer Placeholder 4"/>
           <p:cNvSpPr>
             <a:spLocks noGrp="1"/>
           </p:cNvSpPr>
@@ -698,13 +620,7 @@
       </p:sp>
       <p:sp>
         <p:nvSpPr>
-          <p:cNvPr id="6" name="Slide Number Placeholder 5">
-            <a:extLst>
-              <a:ext uri="{FF2B5EF4-FFF2-40B4-BE49-F238E27FC236}">
-                <a16:creationId xmlns:a16="http://schemas.microsoft.com/office/drawing/2014/main" id="{2535386B-4454-4E3A-AC8C-EE167D4873A6}"/>
-              </a:ext>
-            </a:extLst>
-          </p:cNvPr>
+          <p:cNvPr id="6" name="Slide Number Placeholder 5"/>
           <p:cNvSpPr>
             <a:spLocks noGrp="1"/>
           </p:cNvSpPr>
@@ -728,7 +644,7 @@
     </p:spTree>
     <p:extLst>
       <p:ext uri="{BB962C8B-B14F-4D97-AF65-F5344CB8AC3E}">
-        <p14:creationId xmlns:p14="http://schemas.microsoft.com/office/powerpoint/2010/main" val="835822575"/>
+        <p14:creationId xmlns:p14="http://schemas.microsoft.com/office/powerpoint/2010/main" val="3666112798"/>
       </p:ext>
     </p:extLst>
   </p:cSld>
@@ -757,13 +673,7 @@
       </p:grpSpPr>
       <p:sp>
         <p:nvSpPr>
-          <p:cNvPr id="2" name="Title 1">
-            <a:extLst>
-              <a:ext uri="{FF2B5EF4-FFF2-40B4-BE49-F238E27FC236}">
-                <a16:creationId xmlns:a16="http://schemas.microsoft.com/office/drawing/2014/main" id="{7882BB24-A6F2-4E13-A8A3-E5884643D4CE}"/>
-              </a:ext>
-            </a:extLst>
-          </p:cNvPr>
+          <p:cNvPr id="2" name="Title 1"/>
           <p:cNvSpPr>
             <a:spLocks noGrp="1"/>
           </p:cNvSpPr>
@@ -780,18 +690,13 @@
               <a:rPr lang="en-US"/>
               <a:t>Click to edit Master title style</a:t>
             </a:r>
-          </a:p>
-        </p:txBody>
-      </p:sp>
-      <p:sp>
-        <p:nvSpPr>
-          <p:cNvPr id="3" name="Content Placeholder 2">
-            <a:extLst>
-              <a:ext uri="{FF2B5EF4-FFF2-40B4-BE49-F238E27FC236}">
-                <a16:creationId xmlns:a16="http://schemas.microsoft.com/office/drawing/2014/main" id="{2E343424-8520-4C7C-A504-1195CDDC32A4}"/>
-              </a:ext>
-            </a:extLst>
-          </p:cNvPr>
+            <a:endParaRPr lang="en-US" dirty="0"/>
+          </a:p>
+        </p:txBody>
+      </p:sp>
+      <p:sp>
+        <p:nvSpPr>
+          <p:cNvPr id="3" name="Content Placeholder 2"/>
           <p:cNvSpPr>
             <a:spLocks noGrp="1"/>
           </p:cNvSpPr>
@@ -837,18 +742,13 @@
               <a:rPr lang="en-US"/>
               <a:t>Fifth level</a:t>
             </a:r>
-          </a:p>
-        </p:txBody>
-      </p:sp>
-      <p:sp>
-        <p:nvSpPr>
-          <p:cNvPr id="4" name="Date Placeholder 3">
-            <a:extLst>
-              <a:ext uri="{FF2B5EF4-FFF2-40B4-BE49-F238E27FC236}">
-                <a16:creationId xmlns:a16="http://schemas.microsoft.com/office/drawing/2014/main" id="{72D81A7A-3B48-403E-BDB6-1448A93F2E43}"/>
-              </a:ext>
-            </a:extLst>
-          </p:cNvPr>
+            <a:endParaRPr lang="en-US" dirty="0"/>
+          </a:p>
+        </p:txBody>
+      </p:sp>
+      <p:sp>
+        <p:nvSpPr>
+          <p:cNvPr id="4" name="Date Placeholder 3"/>
           <p:cNvSpPr>
             <a:spLocks noGrp="1"/>
           </p:cNvSpPr>
@@ -863,7 +763,7 @@
           <a:p>
             <a:fld id="{8D291730-3569-4027-A8D7-C91FF762B74B}" type="datetimeFigureOut">
               <a:rPr lang="en-US" smtClean="0"/>
-              <a:t>5/3/2018</a:t>
+              <a:t>6/5/2018</a:t>
             </a:fld>
             <a:endParaRPr lang="en-US"/>
           </a:p>
@@ -871,13 +771,7 @@
       </p:sp>
       <p:sp>
         <p:nvSpPr>
-          <p:cNvPr id="5" name="Footer Placeholder 4">
-            <a:extLst>
-              <a:ext uri="{FF2B5EF4-FFF2-40B4-BE49-F238E27FC236}">
-                <a16:creationId xmlns:a16="http://schemas.microsoft.com/office/drawing/2014/main" id="{A07BC4E7-C93C-4F16-BDE2-306ACBCFFCBC}"/>
-              </a:ext>
-            </a:extLst>
-          </p:cNvPr>
+          <p:cNvPr id="5" name="Footer Placeholder 4"/>
           <p:cNvSpPr>
             <a:spLocks noGrp="1"/>
           </p:cNvSpPr>
@@ -896,13 +790,7 @@
       </p:sp>
       <p:sp>
         <p:nvSpPr>
-          <p:cNvPr id="6" name="Slide Number Placeholder 5">
-            <a:extLst>
-              <a:ext uri="{FF2B5EF4-FFF2-40B4-BE49-F238E27FC236}">
-                <a16:creationId xmlns:a16="http://schemas.microsoft.com/office/drawing/2014/main" id="{DC1424C7-9BF7-44A7-AD56-63630CF4D1BB}"/>
-              </a:ext>
-            </a:extLst>
-          </p:cNvPr>
+          <p:cNvPr id="6" name="Slide Number Placeholder 5"/>
           <p:cNvSpPr>
             <a:spLocks noGrp="1"/>
           </p:cNvSpPr>
@@ -926,7 +814,7 @@
     </p:spTree>
     <p:extLst>
       <p:ext uri="{BB962C8B-B14F-4D97-AF65-F5344CB8AC3E}">
-        <p14:creationId xmlns:p14="http://schemas.microsoft.com/office/powerpoint/2010/main" val="2050255893"/>
+        <p14:creationId xmlns:p14="http://schemas.microsoft.com/office/powerpoint/2010/main" val="632553899"/>
       </p:ext>
     </p:extLst>
   </p:cSld>
@@ -955,13 +843,7 @@
       </p:grpSpPr>
       <p:sp>
         <p:nvSpPr>
-          <p:cNvPr id="2" name="Title 1">
-            <a:extLst>
-              <a:ext uri="{FF2B5EF4-FFF2-40B4-BE49-F238E27FC236}">
-                <a16:creationId xmlns:a16="http://schemas.microsoft.com/office/drawing/2014/main" id="{C68BA5F7-3A2A-4BA0-A5B9-62DB57B10BC2}"/>
-              </a:ext>
-            </a:extLst>
-          </p:cNvPr>
+          <p:cNvPr id="2" name="Title 1"/>
           <p:cNvSpPr>
             <a:spLocks noGrp="1"/>
           </p:cNvSpPr>
@@ -971,15 +853,15 @@
         </p:nvSpPr>
         <p:spPr>
           <a:xfrm>
-            <a:off x="831850" y="1709738"/>
-            <a:ext cx="10515600" cy="2852737"/>
+            <a:off x="748666" y="2137175"/>
+            <a:ext cx="9464040" cy="3565921"/>
           </a:xfrm>
         </p:spPr>
         <p:txBody>
           <a:bodyPr anchor="b"/>
           <a:lstStyle>
             <a:lvl1pPr>
-              <a:defRPr sz="6000"/>
+              <a:defRPr sz="7200"/>
             </a:lvl1pPr>
           </a:lstStyle>
           <a:p>
@@ -987,18 +869,13 @@
               <a:rPr lang="en-US"/>
               <a:t>Click to edit Master title style</a:t>
             </a:r>
-          </a:p>
-        </p:txBody>
-      </p:sp>
-      <p:sp>
-        <p:nvSpPr>
-          <p:cNvPr id="3" name="Text Placeholder 2">
-            <a:extLst>
-              <a:ext uri="{FF2B5EF4-FFF2-40B4-BE49-F238E27FC236}">
-                <a16:creationId xmlns:a16="http://schemas.microsoft.com/office/drawing/2014/main" id="{409E1851-1680-44AD-B496-2C17F6E2D59C}"/>
-              </a:ext>
-            </a:extLst>
-          </p:cNvPr>
+            <a:endParaRPr lang="en-US" dirty="0"/>
+          </a:p>
+        </p:txBody>
+      </p:sp>
+      <p:sp>
+        <p:nvSpPr>
+          <p:cNvPr id="3" name="Text Placeholder 2"/>
           <p:cNvSpPr>
             <a:spLocks noGrp="1"/>
           </p:cNvSpPr>
@@ -1008,14 +885,22 @@
         </p:nvSpPr>
         <p:spPr>
           <a:xfrm>
-            <a:off x="831850" y="4589463"/>
-            <a:ext cx="10515600" cy="1500187"/>
+            <a:off x="748666" y="5736831"/>
+            <a:ext cx="9464040" cy="1875234"/>
           </a:xfrm>
         </p:spPr>
         <p:txBody>
           <a:bodyPr/>
           <a:lstStyle>
             <a:lvl1pPr marL="0" indent="0">
+              <a:buNone/>
+              <a:defRPr sz="2880">
+                <a:solidFill>
+                  <a:schemeClr val="tx1"/>
+                </a:solidFill>
+              </a:defRPr>
+            </a:lvl1pPr>
+            <a:lvl2pPr marL="548640" indent="0">
               <a:buNone/>
               <a:defRPr sz="2400">
                 <a:solidFill>
@@ -1024,20 +909,10 @@
                   </a:schemeClr>
                 </a:solidFill>
               </a:defRPr>
-            </a:lvl1pPr>
-            <a:lvl2pPr marL="457200" indent="0">
-              <a:buNone/>
-              <a:defRPr sz="2000">
-                <a:solidFill>
-                  <a:schemeClr val="tx1">
-                    <a:tint val="75000"/>
-                  </a:schemeClr>
-                </a:solidFill>
-              </a:defRPr>
             </a:lvl2pPr>
-            <a:lvl3pPr marL="914400" indent="0">
-              <a:buNone/>
-              <a:defRPr sz="1800">
+            <a:lvl3pPr marL="1097280" indent="0">
+              <a:buNone/>
+              <a:defRPr sz="2160">
                 <a:solidFill>
                   <a:schemeClr val="tx1">
                     <a:tint val="75000"/>
@@ -1045,9 +920,9 @@
                 </a:solidFill>
               </a:defRPr>
             </a:lvl3pPr>
-            <a:lvl4pPr marL="1371600" indent="0">
-              <a:buNone/>
-              <a:defRPr sz="1600">
+            <a:lvl4pPr marL="1645920" indent="0">
+              <a:buNone/>
+              <a:defRPr sz="1920">
                 <a:solidFill>
                   <a:schemeClr val="tx1">
                     <a:tint val="75000"/>
@@ -1055,9 +930,9 @@
                 </a:solidFill>
               </a:defRPr>
             </a:lvl4pPr>
-            <a:lvl5pPr marL="1828800" indent="0">
-              <a:buNone/>
-              <a:defRPr sz="1600">
+            <a:lvl5pPr marL="2194560" indent="0">
+              <a:buNone/>
+              <a:defRPr sz="1920">
                 <a:solidFill>
                   <a:schemeClr val="tx1">
                     <a:tint val="75000"/>
@@ -1065,9 +940,9 @@
                 </a:solidFill>
               </a:defRPr>
             </a:lvl5pPr>
-            <a:lvl6pPr marL="2286000" indent="0">
-              <a:buNone/>
-              <a:defRPr sz="1600">
+            <a:lvl6pPr marL="2743200" indent="0">
+              <a:buNone/>
+              <a:defRPr sz="1920">
                 <a:solidFill>
                   <a:schemeClr val="tx1">
                     <a:tint val="75000"/>
@@ -1075,9 +950,9 @@
                 </a:solidFill>
               </a:defRPr>
             </a:lvl6pPr>
-            <a:lvl7pPr marL="2743200" indent="0">
-              <a:buNone/>
-              <a:defRPr sz="1600">
+            <a:lvl7pPr marL="3291840" indent="0">
+              <a:buNone/>
+              <a:defRPr sz="1920">
                 <a:solidFill>
                   <a:schemeClr val="tx1">
                     <a:tint val="75000"/>
@@ -1085,9 +960,9 @@
                 </a:solidFill>
               </a:defRPr>
             </a:lvl7pPr>
-            <a:lvl8pPr marL="3200400" indent="0">
-              <a:buNone/>
-              <a:defRPr sz="1600">
+            <a:lvl8pPr marL="3840480" indent="0">
+              <a:buNone/>
+              <a:defRPr sz="1920">
                 <a:solidFill>
                   <a:schemeClr val="tx1">
                     <a:tint val="75000"/>
@@ -1095,9 +970,9 @@
                 </a:solidFill>
               </a:defRPr>
             </a:lvl8pPr>
-            <a:lvl9pPr marL="3657600" indent="0">
-              <a:buNone/>
-              <a:defRPr sz="1600">
+            <a:lvl9pPr marL="4389120" indent="0">
+              <a:buNone/>
+              <a:defRPr sz="1920">
                 <a:solidFill>
                   <a:schemeClr val="tx1">
                     <a:tint val="75000"/>
@@ -1117,13 +992,7 @@
       </p:sp>
       <p:sp>
         <p:nvSpPr>
-          <p:cNvPr id="4" name="Date Placeholder 3">
-            <a:extLst>
-              <a:ext uri="{FF2B5EF4-FFF2-40B4-BE49-F238E27FC236}">
-                <a16:creationId xmlns:a16="http://schemas.microsoft.com/office/drawing/2014/main" id="{1C26F906-EDE8-4DF4-BF86-848AA0F0A0D7}"/>
-              </a:ext>
-            </a:extLst>
-          </p:cNvPr>
+          <p:cNvPr id="4" name="Date Placeholder 3"/>
           <p:cNvSpPr>
             <a:spLocks noGrp="1"/>
           </p:cNvSpPr>
@@ -1138,7 +1007,7 @@
           <a:p>
             <a:fld id="{8D291730-3569-4027-A8D7-C91FF762B74B}" type="datetimeFigureOut">
               <a:rPr lang="en-US" smtClean="0"/>
-              <a:t>5/3/2018</a:t>
+              <a:t>6/5/2018</a:t>
             </a:fld>
             <a:endParaRPr lang="en-US"/>
           </a:p>
@@ -1146,13 +1015,7 @@
       </p:sp>
       <p:sp>
         <p:nvSpPr>
-          <p:cNvPr id="5" name="Footer Placeholder 4">
-            <a:extLst>
-              <a:ext uri="{FF2B5EF4-FFF2-40B4-BE49-F238E27FC236}">
-                <a16:creationId xmlns:a16="http://schemas.microsoft.com/office/drawing/2014/main" id="{4662BACE-B16A-4480-BCE3-783EAD483F24}"/>
-              </a:ext>
-            </a:extLst>
-          </p:cNvPr>
+          <p:cNvPr id="5" name="Footer Placeholder 4"/>
           <p:cNvSpPr>
             <a:spLocks noGrp="1"/>
           </p:cNvSpPr>
@@ -1171,13 +1034,7 @@
       </p:sp>
       <p:sp>
         <p:nvSpPr>
-          <p:cNvPr id="6" name="Slide Number Placeholder 5">
-            <a:extLst>
-              <a:ext uri="{FF2B5EF4-FFF2-40B4-BE49-F238E27FC236}">
-                <a16:creationId xmlns:a16="http://schemas.microsoft.com/office/drawing/2014/main" id="{F905F373-7C78-40A4-B293-E2F9535FE845}"/>
-              </a:ext>
-            </a:extLst>
-          </p:cNvPr>
+          <p:cNvPr id="6" name="Slide Number Placeholder 5"/>
           <p:cNvSpPr>
             <a:spLocks noGrp="1"/>
           </p:cNvSpPr>
@@ -1201,7 +1058,7 @@
     </p:spTree>
     <p:extLst>
       <p:ext uri="{BB962C8B-B14F-4D97-AF65-F5344CB8AC3E}">
-        <p14:creationId xmlns:p14="http://schemas.microsoft.com/office/powerpoint/2010/main" val="3665108666"/>
+        <p14:creationId xmlns:p14="http://schemas.microsoft.com/office/powerpoint/2010/main" val="3605896363"/>
       </p:ext>
     </p:extLst>
   </p:cSld>
@@ -1230,13 +1087,7 @@
       </p:grpSpPr>
       <p:sp>
         <p:nvSpPr>
-          <p:cNvPr id="2" name="Title 1">
-            <a:extLst>
-              <a:ext uri="{FF2B5EF4-FFF2-40B4-BE49-F238E27FC236}">
-                <a16:creationId xmlns:a16="http://schemas.microsoft.com/office/drawing/2014/main" id="{DEC56085-64BC-4677-A163-6FC8C73A2488}"/>
-              </a:ext>
-            </a:extLst>
-          </p:cNvPr>
+          <p:cNvPr id="2" name="Title 1"/>
           <p:cNvSpPr>
             <a:spLocks noGrp="1"/>
           </p:cNvSpPr>
@@ -1253,18 +1104,13 @@
               <a:rPr lang="en-US"/>
               <a:t>Click to edit Master title style</a:t>
             </a:r>
-          </a:p>
-        </p:txBody>
-      </p:sp>
-      <p:sp>
-        <p:nvSpPr>
-          <p:cNvPr id="3" name="Content Placeholder 2">
-            <a:extLst>
-              <a:ext uri="{FF2B5EF4-FFF2-40B4-BE49-F238E27FC236}">
-                <a16:creationId xmlns:a16="http://schemas.microsoft.com/office/drawing/2014/main" id="{0B08BC0D-4774-4AA8-A231-0735D28A615F}"/>
-              </a:ext>
-            </a:extLst>
-          </p:cNvPr>
+            <a:endParaRPr lang="en-US" dirty="0"/>
+          </a:p>
+        </p:txBody>
+      </p:sp>
+      <p:sp>
+        <p:nvSpPr>
+          <p:cNvPr id="3" name="Content Placeholder 2"/>
           <p:cNvSpPr>
             <a:spLocks noGrp="1"/>
           </p:cNvSpPr>
@@ -1274,8 +1120,8 @@
         </p:nvSpPr>
         <p:spPr>
           <a:xfrm>
-            <a:off x="838200" y="1825625"/>
-            <a:ext cx="5181600" cy="4351338"/>
+            <a:off x="754380" y="2282031"/>
+            <a:ext cx="4663440" cy="5439173"/>
           </a:xfrm>
         </p:spPr>
         <p:txBody>
@@ -1315,18 +1161,13 @@
               <a:rPr lang="en-US"/>
               <a:t>Fifth level</a:t>
             </a:r>
-          </a:p>
-        </p:txBody>
-      </p:sp>
-      <p:sp>
-        <p:nvSpPr>
-          <p:cNvPr id="4" name="Content Placeholder 3">
-            <a:extLst>
-              <a:ext uri="{FF2B5EF4-FFF2-40B4-BE49-F238E27FC236}">
-                <a16:creationId xmlns:a16="http://schemas.microsoft.com/office/drawing/2014/main" id="{AADDCC9C-5A18-4FF5-8F61-9B47B57FC37D}"/>
-              </a:ext>
-            </a:extLst>
-          </p:cNvPr>
+            <a:endParaRPr lang="en-US" dirty="0"/>
+          </a:p>
+        </p:txBody>
+      </p:sp>
+      <p:sp>
+        <p:nvSpPr>
+          <p:cNvPr id="4" name="Content Placeholder 3"/>
           <p:cNvSpPr>
             <a:spLocks noGrp="1"/>
           </p:cNvSpPr>
@@ -1336,8 +1177,8 @@
         </p:nvSpPr>
         <p:spPr>
           <a:xfrm>
-            <a:off x="6172200" y="1825625"/>
-            <a:ext cx="5181600" cy="4351338"/>
+            <a:off x="5554980" y="2282031"/>
+            <a:ext cx="4663440" cy="5439173"/>
           </a:xfrm>
         </p:spPr>
         <p:txBody>
@@ -1377,18 +1218,13 @@
               <a:rPr lang="en-US"/>
               <a:t>Fifth level</a:t>
             </a:r>
-          </a:p>
-        </p:txBody>
-      </p:sp>
-      <p:sp>
-        <p:nvSpPr>
-          <p:cNvPr id="5" name="Date Placeholder 4">
-            <a:extLst>
-              <a:ext uri="{FF2B5EF4-FFF2-40B4-BE49-F238E27FC236}">
-                <a16:creationId xmlns:a16="http://schemas.microsoft.com/office/drawing/2014/main" id="{CE5BC173-D0BD-431E-B9DD-75AA5D6F71FB}"/>
-              </a:ext>
-            </a:extLst>
-          </p:cNvPr>
+            <a:endParaRPr lang="en-US" dirty="0"/>
+          </a:p>
+        </p:txBody>
+      </p:sp>
+      <p:sp>
+        <p:nvSpPr>
+          <p:cNvPr id="5" name="Date Placeholder 4"/>
           <p:cNvSpPr>
             <a:spLocks noGrp="1"/>
           </p:cNvSpPr>
@@ -1403,7 +1239,7 @@
           <a:p>
             <a:fld id="{8D291730-3569-4027-A8D7-C91FF762B74B}" type="datetimeFigureOut">
               <a:rPr lang="en-US" smtClean="0"/>
-              <a:t>5/3/2018</a:t>
+              <a:t>6/5/2018</a:t>
             </a:fld>
             <a:endParaRPr lang="en-US"/>
           </a:p>
@@ -1411,13 +1247,7 @@
       </p:sp>
       <p:sp>
         <p:nvSpPr>
-          <p:cNvPr id="6" name="Footer Placeholder 5">
-            <a:extLst>
-              <a:ext uri="{FF2B5EF4-FFF2-40B4-BE49-F238E27FC236}">
-                <a16:creationId xmlns:a16="http://schemas.microsoft.com/office/drawing/2014/main" id="{3890AAA1-F399-49E5-90C4-A4FCCBB426B5}"/>
-              </a:ext>
-            </a:extLst>
-          </p:cNvPr>
+          <p:cNvPr id="6" name="Footer Placeholder 5"/>
           <p:cNvSpPr>
             <a:spLocks noGrp="1"/>
           </p:cNvSpPr>
@@ -1436,13 +1266,7 @@
       </p:sp>
       <p:sp>
         <p:nvSpPr>
-          <p:cNvPr id="7" name="Slide Number Placeholder 6">
-            <a:extLst>
-              <a:ext uri="{FF2B5EF4-FFF2-40B4-BE49-F238E27FC236}">
-                <a16:creationId xmlns:a16="http://schemas.microsoft.com/office/drawing/2014/main" id="{0126933F-446B-476D-9D92-938220BFF64A}"/>
-              </a:ext>
-            </a:extLst>
-          </p:cNvPr>
+          <p:cNvPr id="7" name="Slide Number Placeholder 6"/>
           <p:cNvSpPr>
             <a:spLocks noGrp="1"/>
           </p:cNvSpPr>
@@ -1466,7 +1290,7 @@
     </p:spTree>
     <p:extLst>
       <p:ext uri="{BB962C8B-B14F-4D97-AF65-F5344CB8AC3E}">
-        <p14:creationId xmlns:p14="http://schemas.microsoft.com/office/powerpoint/2010/main" val="366510764"/>
+        <p14:creationId xmlns:p14="http://schemas.microsoft.com/office/powerpoint/2010/main" val="2337997368"/>
       </p:ext>
     </p:extLst>
   </p:cSld>
@@ -1495,13 +1319,7 @@
       </p:grpSpPr>
       <p:sp>
         <p:nvSpPr>
-          <p:cNvPr id="2" name="Title 1">
-            <a:extLst>
-              <a:ext uri="{FF2B5EF4-FFF2-40B4-BE49-F238E27FC236}">
-                <a16:creationId xmlns:a16="http://schemas.microsoft.com/office/drawing/2014/main" id="{EFE23F45-1428-41CE-881E-EFAEBFD6BABD}"/>
-              </a:ext>
-            </a:extLst>
-          </p:cNvPr>
+          <p:cNvPr id="2" name="Title 1"/>
           <p:cNvSpPr>
             <a:spLocks noGrp="1"/>
           </p:cNvSpPr>
@@ -1511,8 +1329,8 @@
         </p:nvSpPr>
         <p:spPr>
           <a:xfrm>
-            <a:off x="839788" y="365125"/>
-            <a:ext cx="10515600" cy="1325563"/>
+            <a:off x="755809" y="456408"/>
+            <a:ext cx="9464040" cy="1656954"/>
           </a:xfrm>
         </p:spPr>
         <p:txBody>
@@ -1523,18 +1341,13 @@
               <a:rPr lang="en-US"/>
               <a:t>Click to edit Master title style</a:t>
             </a:r>
-          </a:p>
-        </p:txBody>
-      </p:sp>
-      <p:sp>
-        <p:nvSpPr>
-          <p:cNvPr id="3" name="Text Placeholder 2">
-            <a:extLst>
-              <a:ext uri="{FF2B5EF4-FFF2-40B4-BE49-F238E27FC236}">
-                <a16:creationId xmlns:a16="http://schemas.microsoft.com/office/drawing/2014/main" id="{D8B07872-42E1-40E4-9943-1AA4B1C9B1FB}"/>
-              </a:ext>
-            </a:extLst>
-          </p:cNvPr>
+            <a:endParaRPr lang="en-US" dirty="0"/>
+          </a:p>
+        </p:txBody>
+      </p:sp>
+      <p:sp>
+        <p:nvSpPr>
+          <p:cNvPr id="3" name="Text Placeholder 2"/>
           <p:cNvSpPr>
             <a:spLocks noGrp="1"/>
           </p:cNvSpPr>
@@ -1544,8 +1357,8 @@
         </p:nvSpPr>
         <p:spPr>
           <a:xfrm>
-            <a:off x="839788" y="1681163"/>
-            <a:ext cx="5157787" cy="823912"/>
+            <a:off x="755810" y="2101454"/>
+            <a:ext cx="4642008" cy="1029890"/>
           </a:xfrm>
         </p:spPr>
         <p:txBody>
@@ -1553,39 +1366,39 @@
           <a:lstStyle>
             <a:lvl1pPr marL="0" indent="0">
               <a:buNone/>
+              <a:defRPr sz="2880" b="1"/>
+            </a:lvl1pPr>
+            <a:lvl2pPr marL="548640" indent="0">
+              <a:buNone/>
               <a:defRPr sz="2400" b="1"/>
-            </a:lvl1pPr>
-            <a:lvl2pPr marL="457200" indent="0">
-              <a:buNone/>
-              <a:defRPr sz="2000" b="1"/>
             </a:lvl2pPr>
-            <a:lvl3pPr marL="914400" indent="0">
-              <a:buNone/>
-              <a:defRPr sz="1800" b="1"/>
+            <a:lvl3pPr marL="1097280" indent="0">
+              <a:buNone/>
+              <a:defRPr sz="2160" b="1"/>
             </a:lvl3pPr>
-            <a:lvl4pPr marL="1371600" indent="0">
-              <a:buNone/>
-              <a:defRPr sz="1600" b="1"/>
+            <a:lvl4pPr marL="1645920" indent="0">
+              <a:buNone/>
+              <a:defRPr sz="1920" b="1"/>
             </a:lvl4pPr>
-            <a:lvl5pPr marL="1828800" indent="0">
-              <a:buNone/>
-              <a:defRPr sz="1600" b="1"/>
+            <a:lvl5pPr marL="2194560" indent="0">
+              <a:buNone/>
+              <a:defRPr sz="1920" b="1"/>
             </a:lvl5pPr>
-            <a:lvl6pPr marL="2286000" indent="0">
-              <a:buNone/>
-              <a:defRPr sz="1600" b="1"/>
+            <a:lvl6pPr marL="2743200" indent="0">
+              <a:buNone/>
+              <a:defRPr sz="1920" b="1"/>
             </a:lvl6pPr>
-            <a:lvl7pPr marL="2743200" indent="0">
-              <a:buNone/>
-              <a:defRPr sz="1600" b="1"/>
+            <a:lvl7pPr marL="3291840" indent="0">
+              <a:buNone/>
+              <a:defRPr sz="1920" b="1"/>
             </a:lvl7pPr>
-            <a:lvl8pPr marL="3200400" indent="0">
-              <a:buNone/>
-              <a:defRPr sz="1600" b="1"/>
+            <a:lvl8pPr marL="3840480" indent="0">
+              <a:buNone/>
+              <a:defRPr sz="1920" b="1"/>
             </a:lvl8pPr>
-            <a:lvl9pPr marL="3657600" indent="0">
-              <a:buNone/>
-              <a:defRPr sz="1600" b="1"/>
+            <a:lvl9pPr marL="4389120" indent="0">
+              <a:buNone/>
+              <a:defRPr sz="1920" b="1"/>
             </a:lvl9pPr>
           </a:lstStyle>
           <a:p>
@@ -1599,13 +1412,7 @@
       </p:sp>
       <p:sp>
         <p:nvSpPr>
-          <p:cNvPr id="4" name="Content Placeholder 3">
-            <a:extLst>
-              <a:ext uri="{FF2B5EF4-FFF2-40B4-BE49-F238E27FC236}">
-                <a16:creationId xmlns:a16="http://schemas.microsoft.com/office/drawing/2014/main" id="{8A2FFD83-A4DF-410F-BC8A-98F17D9E7E90}"/>
-              </a:ext>
-            </a:extLst>
-          </p:cNvPr>
+          <p:cNvPr id="4" name="Content Placeholder 3"/>
           <p:cNvSpPr>
             <a:spLocks noGrp="1"/>
           </p:cNvSpPr>
@@ -1615,8 +1422,8 @@
         </p:nvSpPr>
         <p:spPr>
           <a:xfrm>
-            <a:off x="839788" y="2505075"/>
-            <a:ext cx="5157787" cy="3684588"/>
+            <a:off x="755810" y="3131344"/>
+            <a:ext cx="4642008" cy="4605735"/>
           </a:xfrm>
         </p:spPr>
         <p:txBody>
@@ -1656,18 +1463,13 @@
               <a:rPr lang="en-US"/>
               <a:t>Fifth level</a:t>
             </a:r>
-          </a:p>
-        </p:txBody>
-      </p:sp>
-      <p:sp>
-        <p:nvSpPr>
-          <p:cNvPr id="5" name="Text Placeholder 4">
-            <a:extLst>
-              <a:ext uri="{FF2B5EF4-FFF2-40B4-BE49-F238E27FC236}">
-                <a16:creationId xmlns:a16="http://schemas.microsoft.com/office/drawing/2014/main" id="{750BF765-F008-484A-B94D-749C3AC3F676}"/>
-              </a:ext>
-            </a:extLst>
-          </p:cNvPr>
+            <a:endParaRPr lang="en-US" dirty="0"/>
+          </a:p>
+        </p:txBody>
+      </p:sp>
+      <p:sp>
+        <p:nvSpPr>
+          <p:cNvPr id="5" name="Text Placeholder 4"/>
           <p:cNvSpPr>
             <a:spLocks noGrp="1"/>
           </p:cNvSpPr>
@@ -1677,8 +1479,8 @@
         </p:nvSpPr>
         <p:spPr>
           <a:xfrm>
-            <a:off x="6172200" y="1681163"/>
-            <a:ext cx="5183188" cy="823912"/>
+            <a:off x="5554981" y="2101454"/>
+            <a:ext cx="4664869" cy="1029890"/>
           </a:xfrm>
         </p:spPr>
         <p:txBody>
@@ -1686,39 +1488,39 @@
           <a:lstStyle>
             <a:lvl1pPr marL="0" indent="0">
               <a:buNone/>
+              <a:defRPr sz="2880" b="1"/>
+            </a:lvl1pPr>
+            <a:lvl2pPr marL="548640" indent="0">
+              <a:buNone/>
               <a:defRPr sz="2400" b="1"/>
-            </a:lvl1pPr>
-            <a:lvl2pPr marL="457200" indent="0">
-              <a:buNone/>
-              <a:defRPr sz="2000" b="1"/>
             </a:lvl2pPr>
-            <a:lvl3pPr marL="914400" indent="0">
-              <a:buNone/>
-              <a:defRPr sz="1800" b="1"/>
+            <a:lvl3pPr marL="1097280" indent="0">
+              <a:buNone/>
+              <a:defRPr sz="2160" b="1"/>
             </a:lvl3pPr>
-            <a:lvl4pPr marL="1371600" indent="0">
-              <a:buNone/>
-              <a:defRPr sz="1600" b="1"/>
+            <a:lvl4pPr marL="1645920" indent="0">
+              <a:buNone/>
+              <a:defRPr sz="1920" b="1"/>
             </a:lvl4pPr>
-            <a:lvl5pPr marL="1828800" indent="0">
-              <a:buNone/>
-              <a:defRPr sz="1600" b="1"/>
+            <a:lvl5pPr marL="2194560" indent="0">
+              <a:buNone/>
+              <a:defRPr sz="1920" b="1"/>
             </a:lvl5pPr>
-            <a:lvl6pPr marL="2286000" indent="0">
-              <a:buNone/>
-              <a:defRPr sz="1600" b="1"/>
+            <a:lvl6pPr marL="2743200" indent="0">
+              <a:buNone/>
+              <a:defRPr sz="1920" b="1"/>
             </a:lvl6pPr>
-            <a:lvl7pPr marL="2743200" indent="0">
-              <a:buNone/>
-              <a:defRPr sz="1600" b="1"/>
+            <a:lvl7pPr marL="3291840" indent="0">
+              <a:buNone/>
+              <a:defRPr sz="1920" b="1"/>
             </a:lvl7pPr>
-            <a:lvl8pPr marL="3200400" indent="0">
-              <a:buNone/>
-              <a:defRPr sz="1600" b="1"/>
+            <a:lvl8pPr marL="3840480" indent="0">
+              <a:buNone/>
+              <a:defRPr sz="1920" b="1"/>
             </a:lvl8pPr>
-            <a:lvl9pPr marL="3657600" indent="0">
-              <a:buNone/>
-              <a:defRPr sz="1600" b="1"/>
+            <a:lvl9pPr marL="4389120" indent="0">
+              <a:buNone/>
+              <a:defRPr sz="1920" b="1"/>
             </a:lvl9pPr>
           </a:lstStyle>
           <a:p>
@@ -1732,13 +1534,7 @@
       </p:sp>
       <p:sp>
         <p:nvSpPr>
-          <p:cNvPr id="6" name="Content Placeholder 5">
-            <a:extLst>
-              <a:ext uri="{FF2B5EF4-FFF2-40B4-BE49-F238E27FC236}">
-                <a16:creationId xmlns:a16="http://schemas.microsoft.com/office/drawing/2014/main" id="{A4C8B932-F59E-460A-A0DB-8C738B39D7F3}"/>
-              </a:ext>
-            </a:extLst>
-          </p:cNvPr>
+          <p:cNvPr id="6" name="Content Placeholder 5"/>
           <p:cNvSpPr>
             <a:spLocks noGrp="1"/>
           </p:cNvSpPr>
@@ -1748,8 +1544,8 @@
         </p:nvSpPr>
         <p:spPr>
           <a:xfrm>
-            <a:off x="6172200" y="2505075"/>
-            <a:ext cx="5183188" cy="3684588"/>
+            <a:off x="5554981" y="3131344"/>
+            <a:ext cx="4664869" cy="4605735"/>
           </a:xfrm>
         </p:spPr>
         <p:txBody>
@@ -1789,18 +1585,13 @@
               <a:rPr lang="en-US"/>
               <a:t>Fifth level</a:t>
             </a:r>
-          </a:p>
-        </p:txBody>
-      </p:sp>
-      <p:sp>
-        <p:nvSpPr>
-          <p:cNvPr id="7" name="Date Placeholder 6">
-            <a:extLst>
-              <a:ext uri="{FF2B5EF4-FFF2-40B4-BE49-F238E27FC236}">
-                <a16:creationId xmlns:a16="http://schemas.microsoft.com/office/drawing/2014/main" id="{99A33C61-CB84-44B4-9660-52D041523EBA}"/>
-              </a:ext>
-            </a:extLst>
-          </p:cNvPr>
+            <a:endParaRPr lang="en-US" dirty="0"/>
+          </a:p>
+        </p:txBody>
+      </p:sp>
+      <p:sp>
+        <p:nvSpPr>
+          <p:cNvPr id="7" name="Date Placeholder 6"/>
           <p:cNvSpPr>
             <a:spLocks noGrp="1"/>
           </p:cNvSpPr>
@@ -1815,7 +1606,7 @@
           <a:p>
             <a:fld id="{8D291730-3569-4027-A8D7-C91FF762B74B}" type="datetimeFigureOut">
               <a:rPr lang="en-US" smtClean="0"/>
-              <a:t>5/3/2018</a:t>
+              <a:t>6/5/2018</a:t>
             </a:fld>
             <a:endParaRPr lang="en-US"/>
           </a:p>
@@ -1823,13 +1614,7 @@
       </p:sp>
       <p:sp>
         <p:nvSpPr>
-          <p:cNvPr id="8" name="Footer Placeholder 7">
-            <a:extLst>
-              <a:ext uri="{FF2B5EF4-FFF2-40B4-BE49-F238E27FC236}">
-                <a16:creationId xmlns:a16="http://schemas.microsoft.com/office/drawing/2014/main" id="{1B8792A6-006B-4A03-ACA8-D5D4E6705906}"/>
-              </a:ext>
-            </a:extLst>
-          </p:cNvPr>
+          <p:cNvPr id="8" name="Footer Placeholder 7"/>
           <p:cNvSpPr>
             <a:spLocks noGrp="1"/>
           </p:cNvSpPr>
@@ -1848,13 +1633,7 @@
       </p:sp>
       <p:sp>
         <p:nvSpPr>
-          <p:cNvPr id="9" name="Slide Number Placeholder 8">
-            <a:extLst>
-              <a:ext uri="{FF2B5EF4-FFF2-40B4-BE49-F238E27FC236}">
-                <a16:creationId xmlns:a16="http://schemas.microsoft.com/office/drawing/2014/main" id="{015B3BC5-9379-4BE2-839E-4C46387881EE}"/>
-              </a:ext>
-            </a:extLst>
-          </p:cNvPr>
+          <p:cNvPr id="9" name="Slide Number Placeholder 8"/>
           <p:cNvSpPr>
             <a:spLocks noGrp="1"/>
           </p:cNvSpPr>
@@ -1878,7 +1657,7 @@
     </p:spTree>
     <p:extLst>
       <p:ext uri="{BB962C8B-B14F-4D97-AF65-F5344CB8AC3E}">
-        <p14:creationId xmlns:p14="http://schemas.microsoft.com/office/powerpoint/2010/main" val="2221694437"/>
+        <p14:creationId xmlns:p14="http://schemas.microsoft.com/office/powerpoint/2010/main" val="1965647538"/>
       </p:ext>
     </p:extLst>
   </p:cSld>
@@ -1907,13 +1686,7 @@
       </p:grpSpPr>
       <p:sp>
         <p:nvSpPr>
-          <p:cNvPr id="2" name="Title 1">
-            <a:extLst>
-              <a:ext uri="{FF2B5EF4-FFF2-40B4-BE49-F238E27FC236}">
-                <a16:creationId xmlns:a16="http://schemas.microsoft.com/office/drawing/2014/main" id="{60345344-6921-4919-A9B2-87F7E60B9B1E}"/>
-              </a:ext>
-            </a:extLst>
-          </p:cNvPr>
+          <p:cNvPr id="2" name="Title 1"/>
           <p:cNvSpPr>
             <a:spLocks noGrp="1"/>
           </p:cNvSpPr>
@@ -1930,18 +1703,13 @@
               <a:rPr lang="en-US"/>
               <a:t>Click to edit Master title style</a:t>
             </a:r>
-          </a:p>
-        </p:txBody>
-      </p:sp>
-      <p:sp>
-        <p:nvSpPr>
-          <p:cNvPr id="3" name="Date Placeholder 2">
-            <a:extLst>
-              <a:ext uri="{FF2B5EF4-FFF2-40B4-BE49-F238E27FC236}">
-                <a16:creationId xmlns:a16="http://schemas.microsoft.com/office/drawing/2014/main" id="{41702B46-2F4B-4D6D-8457-C688A75F8456}"/>
-              </a:ext>
-            </a:extLst>
-          </p:cNvPr>
+            <a:endParaRPr lang="en-US" dirty="0"/>
+          </a:p>
+        </p:txBody>
+      </p:sp>
+      <p:sp>
+        <p:nvSpPr>
+          <p:cNvPr id="3" name="Date Placeholder 2"/>
           <p:cNvSpPr>
             <a:spLocks noGrp="1"/>
           </p:cNvSpPr>
@@ -1956,7 +1724,7 @@
           <a:p>
             <a:fld id="{8D291730-3569-4027-A8D7-C91FF762B74B}" type="datetimeFigureOut">
               <a:rPr lang="en-US" smtClean="0"/>
-              <a:t>5/3/2018</a:t>
+              <a:t>6/5/2018</a:t>
             </a:fld>
             <a:endParaRPr lang="en-US"/>
           </a:p>
@@ -1964,13 +1732,7 @@
       </p:sp>
       <p:sp>
         <p:nvSpPr>
-          <p:cNvPr id="4" name="Footer Placeholder 3">
-            <a:extLst>
-              <a:ext uri="{FF2B5EF4-FFF2-40B4-BE49-F238E27FC236}">
-                <a16:creationId xmlns:a16="http://schemas.microsoft.com/office/drawing/2014/main" id="{B952561D-3280-4CD7-940F-B9651107A6EB}"/>
-              </a:ext>
-            </a:extLst>
-          </p:cNvPr>
+          <p:cNvPr id="4" name="Footer Placeholder 3"/>
           <p:cNvSpPr>
             <a:spLocks noGrp="1"/>
           </p:cNvSpPr>
@@ -1989,13 +1751,7 @@
       </p:sp>
       <p:sp>
         <p:nvSpPr>
-          <p:cNvPr id="5" name="Slide Number Placeholder 4">
-            <a:extLst>
-              <a:ext uri="{FF2B5EF4-FFF2-40B4-BE49-F238E27FC236}">
-                <a16:creationId xmlns:a16="http://schemas.microsoft.com/office/drawing/2014/main" id="{1EE08474-0404-4FBE-8B02-1A3B3CDFB812}"/>
-              </a:ext>
-            </a:extLst>
-          </p:cNvPr>
+          <p:cNvPr id="5" name="Slide Number Placeholder 4"/>
           <p:cNvSpPr>
             <a:spLocks noGrp="1"/>
           </p:cNvSpPr>
@@ -2019,7 +1775,7 @@
     </p:spTree>
     <p:extLst>
       <p:ext uri="{BB962C8B-B14F-4D97-AF65-F5344CB8AC3E}">
-        <p14:creationId xmlns:p14="http://schemas.microsoft.com/office/powerpoint/2010/main" val="3716477463"/>
+        <p14:creationId xmlns:p14="http://schemas.microsoft.com/office/powerpoint/2010/main" val="624690820"/>
       </p:ext>
     </p:extLst>
   </p:cSld>
@@ -2048,13 +1804,7 @@
       </p:grpSpPr>
       <p:sp>
         <p:nvSpPr>
-          <p:cNvPr id="2" name="Date Placeholder 1">
-            <a:extLst>
-              <a:ext uri="{FF2B5EF4-FFF2-40B4-BE49-F238E27FC236}">
-                <a16:creationId xmlns:a16="http://schemas.microsoft.com/office/drawing/2014/main" id="{5E2CF433-F7D2-4191-9E81-C289FA1EA2C6}"/>
-              </a:ext>
-            </a:extLst>
-          </p:cNvPr>
+          <p:cNvPr id="2" name="Date Placeholder 1"/>
           <p:cNvSpPr>
             <a:spLocks noGrp="1"/>
           </p:cNvSpPr>
@@ -2069,7 +1819,7 @@
           <a:p>
             <a:fld id="{8D291730-3569-4027-A8D7-C91FF762B74B}" type="datetimeFigureOut">
               <a:rPr lang="en-US" smtClean="0"/>
-              <a:t>5/3/2018</a:t>
+              <a:t>6/5/2018</a:t>
             </a:fld>
             <a:endParaRPr lang="en-US"/>
           </a:p>
@@ -2077,13 +1827,7 @@
       </p:sp>
       <p:sp>
         <p:nvSpPr>
-          <p:cNvPr id="3" name="Footer Placeholder 2">
-            <a:extLst>
-              <a:ext uri="{FF2B5EF4-FFF2-40B4-BE49-F238E27FC236}">
-                <a16:creationId xmlns:a16="http://schemas.microsoft.com/office/drawing/2014/main" id="{7A6ADF56-3D7D-4DF6-969C-E34946D42BF1}"/>
-              </a:ext>
-            </a:extLst>
-          </p:cNvPr>
+          <p:cNvPr id="3" name="Footer Placeholder 2"/>
           <p:cNvSpPr>
             <a:spLocks noGrp="1"/>
           </p:cNvSpPr>
@@ -2102,13 +1846,7 @@
       </p:sp>
       <p:sp>
         <p:nvSpPr>
-          <p:cNvPr id="4" name="Slide Number Placeholder 3">
-            <a:extLst>
-              <a:ext uri="{FF2B5EF4-FFF2-40B4-BE49-F238E27FC236}">
-                <a16:creationId xmlns:a16="http://schemas.microsoft.com/office/drawing/2014/main" id="{6A42ED13-2C4A-4198-B8E6-C8289D215F5B}"/>
-              </a:ext>
-            </a:extLst>
-          </p:cNvPr>
+          <p:cNvPr id="4" name="Slide Number Placeholder 3"/>
           <p:cNvSpPr>
             <a:spLocks noGrp="1"/>
           </p:cNvSpPr>
@@ -2132,7 +1870,7 @@
     </p:spTree>
     <p:extLst>
       <p:ext uri="{BB962C8B-B14F-4D97-AF65-F5344CB8AC3E}">
-        <p14:creationId xmlns:p14="http://schemas.microsoft.com/office/powerpoint/2010/main" val="3914835881"/>
+        <p14:creationId xmlns:p14="http://schemas.microsoft.com/office/powerpoint/2010/main" val="1733842720"/>
       </p:ext>
     </p:extLst>
   </p:cSld>
@@ -2161,13 +1899,7 @@
       </p:grpSpPr>
       <p:sp>
         <p:nvSpPr>
-          <p:cNvPr id="2" name="Title 1">
-            <a:extLst>
-              <a:ext uri="{FF2B5EF4-FFF2-40B4-BE49-F238E27FC236}">
-                <a16:creationId xmlns:a16="http://schemas.microsoft.com/office/drawing/2014/main" id="{A2EE9644-F7D8-4ACF-8B25-B860E81287DE}"/>
-              </a:ext>
-            </a:extLst>
-          </p:cNvPr>
+          <p:cNvPr id="2" name="Title 1"/>
           <p:cNvSpPr>
             <a:spLocks noGrp="1"/>
           </p:cNvSpPr>
@@ -2177,15 +1909,15 @@
         </p:nvSpPr>
         <p:spPr>
           <a:xfrm>
-            <a:off x="839788" y="457200"/>
-            <a:ext cx="3932237" cy="1600200"/>
+            <a:off x="755809" y="571500"/>
+            <a:ext cx="3539014" cy="2000250"/>
           </a:xfrm>
         </p:spPr>
         <p:txBody>
           <a:bodyPr anchor="b"/>
           <a:lstStyle>
             <a:lvl1pPr>
-              <a:defRPr sz="3200"/>
+              <a:defRPr sz="3840"/>
             </a:lvl1pPr>
           </a:lstStyle>
           <a:p>
@@ -2193,18 +1925,13 @@
               <a:rPr lang="en-US"/>
               <a:t>Click to edit Master title style</a:t>
             </a:r>
-          </a:p>
-        </p:txBody>
-      </p:sp>
-      <p:sp>
-        <p:nvSpPr>
-          <p:cNvPr id="3" name="Content Placeholder 2">
-            <a:extLst>
-              <a:ext uri="{FF2B5EF4-FFF2-40B4-BE49-F238E27FC236}">
-                <a16:creationId xmlns:a16="http://schemas.microsoft.com/office/drawing/2014/main" id="{492DC631-0C94-41BD-8C22-D1FA6A57758D}"/>
-              </a:ext>
-            </a:extLst>
-          </p:cNvPr>
+            <a:endParaRPr lang="en-US" dirty="0"/>
+          </a:p>
+        </p:txBody>
+      </p:sp>
+      <p:sp>
+        <p:nvSpPr>
+          <p:cNvPr id="3" name="Content Placeholder 2"/>
           <p:cNvSpPr>
             <a:spLocks noGrp="1"/>
           </p:cNvSpPr>
@@ -2214,39 +1941,39 @@
         </p:nvSpPr>
         <p:spPr>
           <a:xfrm>
-            <a:off x="5183188" y="987425"/>
-            <a:ext cx="6172200" cy="4873625"/>
+            <a:off x="4664869" y="1234283"/>
+            <a:ext cx="5554980" cy="6092031"/>
           </a:xfrm>
         </p:spPr>
         <p:txBody>
           <a:bodyPr/>
           <a:lstStyle>
             <a:lvl1pPr>
-              <a:defRPr sz="3200"/>
+              <a:defRPr sz="3840"/>
             </a:lvl1pPr>
             <a:lvl2pPr>
-              <a:defRPr sz="2800"/>
+              <a:defRPr sz="3360"/>
             </a:lvl2pPr>
             <a:lvl3pPr>
-              <a:defRPr sz="2400"/>
+              <a:defRPr sz="2880"/>
             </a:lvl3pPr>
             <a:lvl4pPr>
-              <a:defRPr sz="2000"/>
+              <a:defRPr sz="2400"/>
             </a:lvl4pPr>
             <a:lvl5pPr>
-              <a:defRPr sz="2000"/>
+              <a:defRPr sz="2400"/>
             </a:lvl5pPr>
             <a:lvl6pPr>
-              <a:defRPr sz="2000"/>
+              <a:defRPr sz="2400"/>
             </a:lvl6pPr>
             <a:lvl7pPr>
-              <a:defRPr sz="2000"/>
+              <a:defRPr sz="2400"/>
             </a:lvl7pPr>
             <a:lvl8pPr>
-              <a:defRPr sz="2000"/>
+              <a:defRPr sz="2400"/>
             </a:lvl8pPr>
             <a:lvl9pPr>
-              <a:defRPr sz="2000"/>
+              <a:defRPr sz="2400"/>
             </a:lvl9pPr>
           </a:lstStyle>
           <a:p>
@@ -2283,18 +2010,13 @@
               <a:rPr lang="en-US"/>
               <a:t>Fifth level</a:t>
             </a:r>
-          </a:p>
-        </p:txBody>
-      </p:sp>
-      <p:sp>
-        <p:nvSpPr>
-          <p:cNvPr id="4" name="Text Placeholder 3">
-            <a:extLst>
-              <a:ext uri="{FF2B5EF4-FFF2-40B4-BE49-F238E27FC236}">
-                <a16:creationId xmlns:a16="http://schemas.microsoft.com/office/drawing/2014/main" id="{3068BFC7-8124-4BE5-886E-4A07504B5223}"/>
-              </a:ext>
-            </a:extLst>
-          </p:cNvPr>
+            <a:endParaRPr lang="en-US" dirty="0"/>
+          </a:p>
+        </p:txBody>
+      </p:sp>
+      <p:sp>
+        <p:nvSpPr>
+          <p:cNvPr id="4" name="Text Placeholder 3"/>
           <p:cNvSpPr>
             <a:spLocks noGrp="1"/>
           </p:cNvSpPr>
@@ -2304,8 +2026,8 @@
         </p:nvSpPr>
         <p:spPr>
           <a:xfrm>
-            <a:off x="839788" y="2057400"/>
-            <a:ext cx="3932237" cy="3811588"/>
+            <a:off x="755809" y="2571750"/>
+            <a:ext cx="3539014" cy="4764485"/>
           </a:xfrm>
         </p:spPr>
         <p:txBody>
@@ -2313,39 +2035,39 @@
           <a:lstStyle>
             <a:lvl1pPr marL="0" indent="0">
               <a:buNone/>
-              <a:defRPr sz="1600"/>
+              <a:defRPr sz="1920"/>
             </a:lvl1pPr>
-            <a:lvl2pPr marL="457200" indent="0">
-              <a:buNone/>
-              <a:defRPr sz="1400"/>
+            <a:lvl2pPr marL="548640" indent="0">
+              <a:buNone/>
+              <a:defRPr sz="1680"/>
             </a:lvl2pPr>
-            <a:lvl3pPr marL="914400" indent="0">
+            <a:lvl3pPr marL="1097280" indent="0">
+              <a:buNone/>
+              <a:defRPr sz="1440"/>
+            </a:lvl3pPr>
+            <a:lvl4pPr marL="1645920" indent="0">
               <a:buNone/>
               <a:defRPr sz="1200"/>
-            </a:lvl3pPr>
-            <a:lvl4pPr marL="1371600" indent="0">
-              <a:buNone/>
-              <a:defRPr sz="1000"/>
             </a:lvl4pPr>
-            <a:lvl5pPr marL="1828800" indent="0">
-              <a:buNone/>
-              <a:defRPr sz="1000"/>
+            <a:lvl5pPr marL="2194560" indent="0">
+              <a:buNone/>
+              <a:defRPr sz="1200"/>
             </a:lvl5pPr>
-            <a:lvl6pPr marL="2286000" indent="0">
-              <a:buNone/>
-              <a:defRPr sz="1000"/>
+            <a:lvl6pPr marL="2743200" indent="0">
+              <a:buNone/>
+              <a:defRPr sz="1200"/>
             </a:lvl6pPr>
-            <a:lvl7pPr marL="2743200" indent="0">
-              <a:buNone/>
-              <a:defRPr sz="1000"/>
+            <a:lvl7pPr marL="3291840" indent="0">
+              <a:buNone/>
+              <a:defRPr sz="1200"/>
             </a:lvl7pPr>
-            <a:lvl8pPr marL="3200400" indent="0">
-              <a:buNone/>
-              <a:defRPr sz="1000"/>
+            <a:lvl8pPr marL="3840480" indent="0">
+              <a:buNone/>
+              <a:defRPr sz="1200"/>
             </a:lvl8pPr>
-            <a:lvl9pPr marL="3657600" indent="0">
-              <a:buNone/>
-              <a:defRPr sz="1000"/>
+            <a:lvl9pPr marL="4389120" indent="0">
+              <a:buNone/>
+              <a:defRPr sz="1200"/>
             </a:lvl9pPr>
           </a:lstStyle>
           <a:p>
@@ -2359,13 +2081,7 @@
       </p:sp>
       <p:sp>
         <p:nvSpPr>
-          <p:cNvPr id="5" name="Date Placeholder 4">
-            <a:extLst>
-              <a:ext uri="{FF2B5EF4-FFF2-40B4-BE49-F238E27FC236}">
-                <a16:creationId xmlns:a16="http://schemas.microsoft.com/office/drawing/2014/main" id="{319C78C9-D88C-47FA-942B-D7BA88BB5432}"/>
-              </a:ext>
-            </a:extLst>
-          </p:cNvPr>
+          <p:cNvPr id="5" name="Date Placeholder 4"/>
           <p:cNvSpPr>
             <a:spLocks noGrp="1"/>
           </p:cNvSpPr>
@@ -2380,7 +2096,7 @@
           <a:p>
             <a:fld id="{8D291730-3569-4027-A8D7-C91FF762B74B}" type="datetimeFigureOut">
               <a:rPr lang="en-US" smtClean="0"/>
-              <a:t>5/3/2018</a:t>
+              <a:t>6/5/2018</a:t>
             </a:fld>
             <a:endParaRPr lang="en-US"/>
           </a:p>
@@ -2388,13 +2104,7 @@
       </p:sp>
       <p:sp>
         <p:nvSpPr>
-          <p:cNvPr id="6" name="Footer Placeholder 5">
-            <a:extLst>
-              <a:ext uri="{FF2B5EF4-FFF2-40B4-BE49-F238E27FC236}">
-                <a16:creationId xmlns:a16="http://schemas.microsoft.com/office/drawing/2014/main" id="{57B51B94-BDC3-40C4-B70E-D196B73C2E7E}"/>
-              </a:ext>
-            </a:extLst>
-          </p:cNvPr>
+          <p:cNvPr id="6" name="Footer Placeholder 5"/>
           <p:cNvSpPr>
             <a:spLocks noGrp="1"/>
           </p:cNvSpPr>
@@ -2413,13 +2123,7 @@
       </p:sp>
       <p:sp>
         <p:nvSpPr>
-          <p:cNvPr id="7" name="Slide Number Placeholder 6">
-            <a:extLst>
-              <a:ext uri="{FF2B5EF4-FFF2-40B4-BE49-F238E27FC236}">
-                <a16:creationId xmlns:a16="http://schemas.microsoft.com/office/drawing/2014/main" id="{EADBCF3C-7EB4-4611-90EF-B16490511EC6}"/>
-              </a:ext>
-            </a:extLst>
-          </p:cNvPr>
+          <p:cNvPr id="7" name="Slide Number Placeholder 6"/>
           <p:cNvSpPr>
             <a:spLocks noGrp="1"/>
           </p:cNvSpPr>
@@ -2443,7 +2147,7 @@
     </p:spTree>
     <p:extLst>
       <p:ext uri="{BB962C8B-B14F-4D97-AF65-F5344CB8AC3E}">
-        <p14:creationId xmlns:p14="http://schemas.microsoft.com/office/powerpoint/2010/main" val="233429210"/>
+        <p14:creationId xmlns:p14="http://schemas.microsoft.com/office/powerpoint/2010/main" val="936995568"/>
       </p:ext>
     </p:extLst>
   </p:cSld>
@@ -2472,13 +2176,7 @@
       </p:grpSpPr>
       <p:sp>
         <p:nvSpPr>
-          <p:cNvPr id="2" name="Title 1">
-            <a:extLst>
-              <a:ext uri="{FF2B5EF4-FFF2-40B4-BE49-F238E27FC236}">
-                <a16:creationId xmlns:a16="http://schemas.microsoft.com/office/drawing/2014/main" id="{60B054DA-864F-42A9-B2FA-0EFCCE4CFA6D}"/>
-              </a:ext>
-            </a:extLst>
-          </p:cNvPr>
+          <p:cNvPr id="2" name="Title 1"/>
           <p:cNvSpPr>
             <a:spLocks noGrp="1"/>
           </p:cNvSpPr>
@@ -2488,15 +2186,15 @@
         </p:nvSpPr>
         <p:spPr>
           <a:xfrm>
-            <a:off x="839788" y="457200"/>
-            <a:ext cx="3932237" cy="1600200"/>
+            <a:off x="755809" y="571500"/>
+            <a:ext cx="3539014" cy="2000250"/>
           </a:xfrm>
         </p:spPr>
         <p:txBody>
           <a:bodyPr anchor="b"/>
           <a:lstStyle>
             <a:lvl1pPr>
-              <a:defRPr sz="3200"/>
+              <a:defRPr sz="3840"/>
             </a:lvl1pPr>
           </a:lstStyle>
           <a:p>
@@ -2504,20 +2202,15 @@
               <a:rPr lang="en-US"/>
               <a:t>Click to edit Master title style</a:t>
             </a:r>
-          </a:p>
-        </p:txBody>
-      </p:sp>
-      <p:sp>
-        <p:nvSpPr>
-          <p:cNvPr id="3" name="Picture Placeholder 2">
-            <a:extLst>
-              <a:ext uri="{FF2B5EF4-FFF2-40B4-BE49-F238E27FC236}">
-                <a16:creationId xmlns:a16="http://schemas.microsoft.com/office/drawing/2014/main" id="{8C505124-AF03-484B-9E21-7A6D220AA990}"/>
-              </a:ext>
-            </a:extLst>
-          </p:cNvPr>
-          <p:cNvSpPr>
-            <a:spLocks noGrp="1"/>
+            <a:endParaRPr lang="en-US" dirty="0"/>
+          </a:p>
+        </p:txBody>
+      </p:sp>
+      <p:sp>
+        <p:nvSpPr>
+          <p:cNvPr id="3" name="Picture Placeholder 2"/>
+          <p:cNvSpPr>
+            <a:spLocks noGrp="1" noChangeAspect="1"/>
           </p:cNvSpPr>
           <p:nvPr>
             <p:ph type="pic" idx="1"/>
@@ -2525,64 +2218,62 @@
         </p:nvSpPr>
         <p:spPr>
           <a:xfrm>
-            <a:off x="5183188" y="987425"/>
-            <a:ext cx="6172200" cy="4873625"/>
+            <a:off x="4664869" y="1234283"/>
+            <a:ext cx="5554980" cy="6092031"/>
           </a:xfrm>
         </p:spPr>
         <p:txBody>
-          <a:bodyPr/>
+          <a:bodyPr anchor="t"/>
           <a:lstStyle>
             <a:lvl1pPr marL="0" indent="0">
               <a:buNone/>
-              <a:defRPr sz="3200"/>
+              <a:defRPr sz="3840"/>
             </a:lvl1pPr>
-            <a:lvl2pPr marL="457200" indent="0">
-              <a:buNone/>
-              <a:defRPr sz="2800"/>
+            <a:lvl2pPr marL="548640" indent="0">
+              <a:buNone/>
+              <a:defRPr sz="3360"/>
             </a:lvl2pPr>
-            <a:lvl3pPr marL="914400" indent="0">
+            <a:lvl3pPr marL="1097280" indent="0">
+              <a:buNone/>
+              <a:defRPr sz="2880"/>
+            </a:lvl3pPr>
+            <a:lvl4pPr marL="1645920" indent="0">
               <a:buNone/>
               <a:defRPr sz="2400"/>
-            </a:lvl3pPr>
-            <a:lvl4pPr marL="1371600" indent="0">
-              <a:buNone/>
-              <a:defRPr sz="2000"/>
             </a:lvl4pPr>
-            <a:lvl5pPr marL="1828800" indent="0">
-              <a:buNone/>
-              <a:defRPr sz="2000"/>
+            <a:lvl5pPr marL="2194560" indent="0">
+              <a:buNone/>
+              <a:defRPr sz="2400"/>
             </a:lvl5pPr>
-            <a:lvl6pPr marL="2286000" indent="0">
-              <a:buNone/>
-              <a:defRPr sz="2000"/>
+            <a:lvl6pPr marL="2743200" indent="0">
+              <a:buNone/>
+              <a:defRPr sz="2400"/>
             </a:lvl6pPr>
-            <a:lvl7pPr marL="2743200" indent="0">
-              <a:buNone/>
-              <a:defRPr sz="2000"/>
+            <a:lvl7pPr marL="3291840" indent="0">
+              <a:buNone/>
+              <a:defRPr sz="2400"/>
             </a:lvl7pPr>
-            <a:lvl8pPr marL="3200400" indent="0">
-              <a:buNone/>
-              <a:defRPr sz="2000"/>
+            <a:lvl8pPr marL="3840480" indent="0">
+              <a:buNone/>
+              <a:defRPr sz="2400"/>
             </a:lvl8pPr>
-            <a:lvl9pPr marL="3657600" indent="0">
-              <a:buNone/>
-              <a:defRPr sz="2000"/>
+            <a:lvl9pPr marL="4389120" indent="0">
+              <a:buNone/>
+              <a:defRPr sz="2400"/>
             </a:lvl9pPr>
           </a:lstStyle>
           <a:p>
-            <a:endParaRPr lang="en-US"/>
-          </a:p>
-        </p:txBody>
-      </p:sp>
-      <p:sp>
-        <p:nvSpPr>
-          <p:cNvPr id="4" name="Text Placeholder 3">
-            <a:extLst>
-              <a:ext uri="{FF2B5EF4-FFF2-40B4-BE49-F238E27FC236}">
-                <a16:creationId xmlns:a16="http://schemas.microsoft.com/office/drawing/2014/main" id="{CFFC0D2D-D9BB-4A85-B0E3-4782AAED9A03}"/>
-              </a:ext>
-            </a:extLst>
-          </p:cNvPr>
+            <a:r>
+              <a:rPr lang="en-US"/>
+              <a:t>Click icon to add picture</a:t>
+            </a:r>
+            <a:endParaRPr lang="en-US" dirty="0"/>
+          </a:p>
+        </p:txBody>
+      </p:sp>
+      <p:sp>
+        <p:nvSpPr>
+          <p:cNvPr id="4" name="Text Placeholder 3"/>
           <p:cNvSpPr>
             <a:spLocks noGrp="1"/>
           </p:cNvSpPr>
@@ -2592,8 +2283,8 @@
         </p:nvSpPr>
         <p:spPr>
           <a:xfrm>
-            <a:off x="839788" y="2057400"/>
-            <a:ext cx="3932237" cy="3811588"/>
+            <a:off x="755809" y="2571750"/>
+            <a:ext cx="3539014" cy="4764485"/>
           </a:xfrm>
         </p:spPr>
         <p:txBody>
@@ -2601,39 +2292,39 @@
           <a:lstStyle>
             <a:lvl1pPr marL="0" indent="0">
               <a:buNone/>
-              <a:defRPr sz="1600"/>
+              <a:defRPr sz="1920"/>
             </a:lvl1pPr>
-            <a:lvl2pPr marL="457200" indent="0">
-              <a:buNone/>
-              <a:defRPr sz="1400"/>
+            <a:lvl2pPr marL="548640" indent="0">
+              <a:buNone/>
+              <a:defRPr sz="1680"/>
             </a:lvl2pPr>
-            <a:lvl3pPr marL="914400" indent="0">
+            <a:lvl3pPr marL="1097280" indent="0">
+              <a:buNone/>
+              <a:defRPr sz="1440"/>
+            </a:lvl3pPr>
+            <a:lvl4pPr marL="1645920" indent="0">
               <a:buNone/>
               <a:defRPr sz="1200"/>
-            </a:lvl3pPr>
-            <a:lvl4pPr marL="1371600" indent="0">
-              <a:buNone/>
-              <a:defRPr sz="1000"/>
             </a:lvl4pPr>
-            <a:lvl5pPr marL="1828800" indent="0">
-              <a:buNone/>
-              <a:defRPr sz="1000"/>
+            <a:lvl5pPr marL="2194560" indent="0">
+              <a:buNone/>
+              <a:defRPr sz="1200"/>
             </a:lvl5pPr>
-            <a:lvl6pPr marL="2286000" indent="0">
-              <a:buNone/>
-              <a:defRPr sz="1000"/>
+            <a:lvl6pPr marL="2743200" indent="0">
+              <a:buNone/>
+              <a:defRPr sz="1200"/>
             </a:lvl6pPr>
-            <a:lvl7pPr marL="2743200" indent="0">
-              <a:buNone/>
-              <a:defRPr sz="1000"/>
+            <a:lvl7pPr marL="3291840" indent="0">
+              <a:buNone/>
+              <a:defRPr sz="1200"/>
             </a:lvl7pPr>
-            <a:lvl8pPr marL="3200400" indent="0">
-              <a:buNone/>
-              <a:defRPr sz="1000"/>
+            <a:lvl8pPr marL="3840480" indent="0">
+              <a:buNone/>
+              <a:defRPr sz="1200"/>
             </a:lvl8pPr>
-            <a:lvl9pPr marL="3657600" indent="0">
-              <a:buNone/>
-              <a:defRPr sz="1000"/>
+            <a:lvl9pPr marL="4389120" indent="0">
+              <a:buNone/>
+              <a:defRPr sz="1200"/>
             </a:lvl9pPr>
           </a:lstStyle>
           <a:p>
@@ -2647,13 +2338,7 @@
       </p:sp>
       <p:sp>
         <p:nvSpPr>
-          <p:cNvPr id="5" name="Date Placeholder 4">
-            <a:extLst>
-              <a:ext uri="{FF2B5EF4-FFF2-40B4-BE49-F238E27FC236}">
-                <a16:creationId xmlns:a16="http://schemas.microsoft.com/office/drawing/2014/main" id="{27B7DDE3-4121-4F03-9C45-130DC5910364}"/>
-              </a:ext>
-            </a:extLst>
-          </p:cNvPr>
+          <p:cNvPr id="5" name="Date Placeholder 4"/>
           <p:cNvSpPr>
             <a:spLocks noGrp="1"/>
           </p:cNvSpPr>
@@ -2668,7 +2353,7 @@
           <a:p>
             <a:fld id="{8D291730-3569-4027-A8D7-C91FF762B74B}" type="datetimeFigureOut">
               <a:rPr lang="en-US" smtClean="0"/>
-              <a:t>5/3/2018</a:t>
+              <a:t>6/5/2018</a:t>
             </a:fld>
             <a:endParaRPr lang="en-US"/>
           </a:p>
@@ -2676,13 +2361,7 @@
       </p:sp>
       <p:sp>
         <p:nvSpPr>
-          <p:cNvPr id="6" name="Footer Placeholder 5">
-            <a:extLst>
-              <a:ext uri="{FF2B5EF4-FFF2-40B4-BE49-F238E27FC236}">
-                <a16:creationId xmlns:a16="http://schemas.microsoft.com/office/drawing/2014/main" id="{EE4CA740-485F-4D29-B31E-93C0D0B7F07B}"/>
-              </a:ext>
-            </a:extLst>
-          </p:cNvPr>
+          <p:cNvPr id="6" name="Footer Placeholder 5"/>
           <p:cNvSpPr>
             <a:spLocks noGrp="1"/>
           </p:cNvSpPr>
@@ -2701,13 +2380,7 @@
       </p:sp>
       <p:sp>
         <p:nvSpPr>
-          <p:cNvPr id="7" name="Slide Number Placeholder 6">
-            <a:extLst>
-              <a:ext uri="{FF2B5EF4-FFF2-40B4-BE49-F238E27FC236}">
-                <a16:creationId xmlns:a16="http://schemas.microsoft.com/office/drawing/2014/main" id="{79FB7251-A033-495E-A199-920957BB767D}"/>
-              </a:ext>
-            </a:extLst>
-          </p:cNvPr>
+          <p:cNvPr id="7" name="Slide Number Placeholder 6"/>
           <p:cNvSpPr>
             <a:spLocks noGrp="1"/>
           </p:cNvSpPr>
@@ -2731,7 +2404,7 @@
     </p:spTree>
     <p:extLst>
       <p:ext uri="{BB962C8B-B14F-4D97-AF65-F5344CB8AC3E}">
-        <p14:creationId xmlns:p14="http://schemas.microsoft.com/office/powerpoint/2010/main" val="2504777446"/>
+        <p14:creationId xmlns:p14="http://schemas.microsoft.com/office/powerpoint/2010/main" val="3041126578"/>
       </p:ext>
     </p:extLst>
   </p:cSld>
@@ -2765,13 +2438,7 @@
       </p:grpSpPr>
       <p:sp>
         <p:nvSpPr>
-          <p:cNvPr id="2" name="Title Placeholder 1">
-            <a:extLst>
-              <a:ext uri="{FF2B5EF4-FFF2-40B4-BE49-F238E27FC236}">
-                <a16:creationId xmlns:a16="http://schemas.microsoft.com/office/drawing/2014/main" id="{4CAFC4C5-4754-4076-A9F6-F2009D18B7D6}"/>
-              </a:ext>
-            </a:extLst>
-          </p:cNvPr>
+          <p:cNvPr id="2" name="Title Placeholder 1"/>
           <p:cNvSpPr>
             <a:spLocks noGrp="1"/>
           </p:cNvSpPr>
@@ -2781,8 +2448,8 @@
         </p:nvSpPr>
         <p:spPr>
           <a:xfrm>
-            <a:off x="838200" y="365125"/>
-            <a:ext cx="10515600" cy="1325563"/>
+            <a:off x="754380" y="456408"/>
+            <a:ext cx="9464040" cy="1656954"/>
           </a:xfrm>
           <a:prstGeom prst="rect">
             <a:avLst/>
@@ -2798,18 +2465,13 @@
               <a:rPr lang="en-US"/>
               <a:t>Click to edit Master title style</a:t>
             </a:r>
-          </a:p>
-        </p:txBody>
-      </p:sp>
-      <p:sp>
-        <p:nvSpPr>
-          <p:cNvPr id="3" name="Text Placeholder 2">
-            <a:extLst>
-              <a:ext uri="{FF2B5EF4-FFF2-40B4-BE49-F238E27FC236}">
-                <a16:creationId xmlns:a16="http://schemas.microsoft.com/office/drawing/2014/main" id="{53A44D34-7BE1-4B0A-B27F-BCDED2BE8DEC}"/>
-              </a:ext>
-            </a:extLst>
-          </p:cNvPr>
+            <a:endParaRPr lang="en-US" dirty="0"/>
+          </a:p>
+        </p:txBody>
+      </p:sp>
+      <p:sp>
+        <p:nvSpPr>
+          <p:cNvPr id="3" name="Text Placeholder 2"/>
           <p:cNvSpPr>
             <a:spLocks noGrp="1"/>
           </p:cNvSpPr>
@@ -2819,8 +2481,8 @@
         </p:nvSpPr>
         <p:spPr>
           <a:xfrm>
-            <a:off x="838200" y="1825625"/>
-            <a:ext cx="10515600" cy="4351338"/>
+            <a:off x="754380" y="2282031"/>
+            <a:ext cx="9464040" cy="5439173"/>
           </a:xfrm>
           <a:prstGeom prst="rect">
             <a:avLst/>
@@ -2865,18 +2527,13 @@
               <a:rPr lang="en-US"/>
               <a:t>Fifth level</a:t>
             </a:r>
-          </a:p>
-        </p:txBody>
-      </p:sp>
-      <p:sp>
-        <p:nvSpPr>
-          <p:cNvPr id="4" name="Date Placeholder 3">
-            <a:extLst>
-              <a:ext uri="{FF2B5EF4-FFF2-40B4-BE49-F238E27FC236}">
-                <a16:creationId xmlns:a16="http://schemas.microsoft.com/office/drawing/2014/main" id="{F58F6280-FA03-42FF-8B78-104552BE55B7}"/>
-              </a:ext>
-            </a:extLst>
-          </p:cNvPr>
+            <a:endParaRPr lang="en-US" dirty="0"/>
+          </a:p>
+        </p:txBody>
+      </p:sp>
+      <p:sp>
+        <p:nvSpPr>
+          <p:cNvPr id="4" name="Date Placeholder 3"/>
           <p:cNvSpPr>
             <a:spLocks noGrp="1"/>
           </p:cNvSpPr>
@@ -2886,8 +2543,8 @@
         </p:nvSpPr>
         <p:spPr>
           <a:xfrm>
-            <a:off x="838200" y="6356350"/>
-            <a:ext cx="2743200" cy="365125"/>
+            <a:off x="754380" y="7945440"/>
+            <a:ext cx="2468880" cy="456406"/>
           </a:xfrm>
           <a:prstGeom prst="rect">
             <a:avLst/>
@@ -2897,7 +2554,7 @@
           <a:bodyPr vert="horz" lIns="91440" tIns="45720" rIns="91440" bIns="45720" rtlCol="0" anchor="ctr"/>
           <a:lstStyle>
             <a:lvl1pPr algn="l">
-              <a:defRPr sz="1200">
+              <a:defRPr sz="1440">
                 <a:solidFill>
                   <a:schemeClr val="tx1">
                     <a:tint val="75000"/>
@@ -2909,7 +2566,7 @@
           <a:p>
             <a:fld id="{8D291730-3569-4027-A8D7-C91FF762B74B}" type="datetimeFigureOut">
               <a:rPr lang="en-US" smtClean="0"/>
-              <a:t>5/3/2018</a:t>
+              <a:t>6/5/2018</a:t>
             </a:fld>
             <a:endParaRPr lang="en-US"/>
           </a:p>
@@ -2917,13 +2574,7 @@
       </p:sp>
       <p:sp>
         <p:nvSpPr>
-          <p:cNvPr id="5" name="Footer Placeholder 4">
-            <a:extLst>
-              <a:ext uri="{FF2B5EF4-FFF2-40B4-BE49-F238E27FC236}">
-                <a16:creationId xmlns:a16="http://schemas.microsoft.com/office/drawing/2014/main" id="{882750E3-C119-4406-890A-DCC04E6A0788}"/>
-              </a:ext>
-            </a:extLst>
-          </p:cNvPr>
+          <p:cNvPr id="5" name="Footer Placeholder 4"/>
           <p:cNvSpPr>
             <a:spLocks noGrp="1"/>
           </p:cNvSpPr>
@@ -2933,8 +2584,8 @@
         </p:nvSpPr>
         <p:spPr>
           <a:xfrm>
-            <a:off x="4038600" y="6356350"/>
-            <a:ext cx="4114800" cy="365125"/>
+            <a:off x="3634740" y="7945440"/>
+            <a:ext cx="3703320" cy="456406"/>
           </a:xfrm>
           <a:prstGeom prst="rect">
             <a:avLst/>
@@ -2944,7 +2595,7 @@
           <a:bodyPr vert="horz" lIns="91440" tIns="45720" rIns="91440" bIns="45720" rtlCol="0" anchor="ctr"/>
           <a:lstStyle>
             <a:lvl1pPr algn="ctr">
-              <a:defRPr sz="1200">
+              <a:defRPr sz="1440">
                 <a:solidFill>
                   <a:schemeClr val="tx1">
                     <a:tint val="75000"/>
@@ -2960,13 +2611,7 @@
       </p:sp>
       <p:sp>
         <p:nvSpPr>
-          <p:cNvPr id="6" name="Slide Number Placeholder 5">
-            <a:extLst>
-              <a:ext uri="{FF2B5EF4-FFF2-40B4-BE49-F238E27FC236}">
-                <a16:creationId xmlns:a16="http://schemas.microsoft.com/office/drawing/2014/main" id="{81B674DE-2049-4944-A4D5-7E113FBA7443}"/>
-              </a:ext>
-            </a:extLst>
-          </p:cNvPr>
+          <p:cNvPr id="6" name="Slide Number Placeholder 5"/>
           <p:cNvSpPr>
             <a:spLocks noGrp="1"/>
           </p:cNvSpPr>
@@ -2976,8 +2621,8 @@
         </p:nvSpPr>
         <p:spPr>
           <a:xfrm>
-            <a:off x="8610600" y="6356350"/>
-            <a:ext cx="2743200" cy="365125"/>
+            <a:off x="7749540" y="7945440"/>
+            <a:ext cx="2468880" cy="456406"/>
           </a:xfrm>
           <a:prstGeom prst="rect">
             <a:avLst/>
@@ -2987,7 +2632,7 @@
           <a:bodyPr vert="horz" lIns="91440" tIns="45720" rIns="91440" bIns="45720" rtlCol="0" anchor="ctr"/>
           <a:lstStyle>
             <a:lvl1pPr algn="r">
-              <a:defRPr sz="1200">
+              <a:defRPr sz="1440">
                 <a:solidFill>
                   <a:schemeClr val="tx1">
                     <a:tint val="75000"/>
@@ -3008,27 +2653,27 @@
     </p:spTree>
     <p:extLst>
       <p:ext uri="{BB962C8B-B14F-4D97-AF65-F5344CB8AC3E}">
-        <p14:creationId xmlns:p14="http://schemas.microsoft.com/office/powerpoint/2010/main" val="3532204036"/>
+        <p14:creationId xmlns:p14="http://schemas.microsoft.com/office/powerpoint/2010/main" val="67564171"/>
       </p:ext>
     </p:extLst>
   </p:cSld>
   <p:clrMap bg1="lt1" tx1="dk1" bg2="lt2" tx2="dk2" accent1="accent1" accent2="accent2" accent3="accent3" accent4="accent4" accent5="accent5" accent6="accent6" hlink="hlink" folHlink="folHlink"/>
   <p:sldLayoutIdLst>
-    <p:sldLayoutId id="2147483649" r:id="rId1"/>
-    <p:sldLayoutId id="2147483650" r:id="rId2"/>
-    <p:sldLayoutId id="2147483651" r:id="rId3"/>
-    <p:sldLayoutId id="2147483652" r:id="rId4"/>
-    <p:sldLayoutId id="2147483653" r:id="rId5"/>
-    <p:sldLayoutId id="2147483654" r:id="rId6"/>
-    <p:sldLayoutId id="2147483655" r:id="rId7"/>
-    <p:sldLayoutId id="2147483656" r:id="rId8"/>
-    <p:sldLayoutId id="2147483657" r:id="rId9"/>
-    <p:sldLayoutId id="2147483658" r:id="rId10"/>
-    <p:sldLayoutId id="2147483659" r:id="rId11"/>
+    <p:sldLayoutId id="2147483673" r:id="rId1"/>
+    <p:sldLayoutId id="2147483674" r:id="rId2"/>
+    <p:sldLayoutId id="2147483675" r:id="rId3"/>
+    <p:sldLayoutId id="2147483676" r:id="rId4"/>
+    <p:sldLayoutId id="2147483677" r:id="rId5"/>
+    <p:sldLayoutId id="2147483678" r:id="rId6"/>
+    <p:sldLayoutId id="2147483679" r:id="rId7"/>
+    <p:sldLayoutId id="2147483680" r:id="rId8"/>
+    <p:sldLayoutId id="2147483681" r:id="rId9"/>
+    <p:sldLayoutId id="2147483682" r:id="rId10"/>
+    <p:sldLayoutId id="2147483683" r:id="rId11"/>
   </p:sldLayoutIdLst>
   <p:txStyles>
     <p:titleStyle>
-      <a:lvl1pPr algn="l" defTabSz="914400" rtl="0" eaLnBrk="1" latinLnBrk="0" hangingPunct="1">
+      <a:lvl1pPr algn="l" defTabSz="1097280" rtl="0" eaLnBrk="1" latinLnBrk="0" hangingPunct="1">
         <a:lnSpc>
           <a:spcPct val="90000"/>
         </a:lnSpc>
@@ -3036,7 +2681,7 @@
           <a:spcPct val="0"/>
         </a:spcBef>
         <a:buNone/>
-        <a:defRPr sz="4400" kern="1200">
+        <a:defRPr sz="5280" kern="1200">
           <a:solidFill>
             <a:schemeClr val="tx1"/>
           </a:solidFill>
@@ -3047,16 +2692,16 @@
       </a:lvl1pPr>
     </p:titleStyle>
     <p:bodyStyle>
-      <a:lvl1pPr marL="228600" indent="-228600" algn="l" defTabSz="914400" rtl="0" eaLnBrk="1" latinLnBrk="0" hangingPunct="1">
+      <a:lvl1pPr marL="274320" indent="-274320" algn="l" defTabSz="1097280" rtl="0" eaLnBrk="1" latinLnBrk="0" hangingPunct="1">
         <a:lnSpc>
           <a:spcPct val="90000"/>
         </a:lnSpc>
         <a:spcBef>
-          <a:spcPts val="1000"/>
+          <a:spcPts val="1200"/>
         </a:spcBef>
         <a:buFont typeface="Arial" panose="020B0604020202020204" pitchFamily="34" charset="0"/>
         <a:buChar char="•"/>
-        <a:defRPr sz="2800" kern="1200">
+        <a:defRPr sz="3360" kern="1200">
           <a:solidFill>
             <a:schemeClr val="tx1"/>
           </a:solidFill>
@@ -3065,12 +2710,30 @@
           <a:cs typeface="+mn-cs"/>
         </a:defRPr>
       </a:lvl1pPr>
-      <a:lvl2pPr marL="685800" indent="-228600" algn="l" defTabSz="914400" rtl="0" eaLnBrk="1" latinLnBrk="0" hangingPunct="1">
+      <a:lvl2pPr marL="822960" indent="-274320" algn="l" defTabSz="1097280" rtl="0" eaLnBrk="1" latinLnBrk="0" hangingPunct="1">
         <a:lnSpc>
           <a:spcPct val="90000"/>
         </a:lnSpc>
         <a:spcBef>
-          <a:spcPts val="500"/>
+          <a:spcPts val="600"/>
+        </a:spcBef>
+        <a:buFont typeface="Arial" panose="020B0604020202020204" pitchFamily="34" charset="0"/>
+        <a:buChar char="•"/>
+        <a:defRPr sz="2880" kern="1200">
+          <a:solidFill>
+            <a:schemeClr val="tx1"/>
+          </a:solidFill>
+          <a:latin typeface="+mn-lt"/>
+          <a:ea typeface="+mn-ea"/>
+          <a:cs typeface="+mn-cs"/>
+        </a:defRPr>
+      </a:lvl2pPr>
+      <a:lvl3pPr marL="1371600" indent="-274320" algn="l" defTabSz="1097280" rtl="0" eaLnBrk="1" latinLnBrk="0" hangingPunct="1">
+        <a:lnSpc>
+          <a:spcPct val="90000"/>
+        </a:lnSpc>
+        <a:spcBef>
+          <a:spcPts val="600"/>
         </a:spcBef>
         <a:buFont typeface="Arial" panose="020B0604020202020204" pitchFamily="34" charset="0"/>
         <a:buChar char="•"/>
@@ -3082,35 +2745,17 @@
           <a:ea typeface="+mn-ea"/>
           <a:cs typeface="+mn-cs"/>
         </a:defRPr>
-      </a:lvl2pPr>
-      <a:lvl3pPr marL="1143000" indent="-228600" algn="l" defTabSz="914400" rtl="0" eaLnBrk="1" latinLnBrk="0" hangingPunct="1">
+      </a:lvl3pPr>
+      <a:lvl4pPr marL="1920240" indent="-274320" algn="l" defTabSz="1097280" rtl="0" eaLnBrk="1" latinLnBrk="0" hangingPunct="1">
         <a:lnSpc>
           <a:spcPct val="90000"/>
         </a:lnSpc>
         <a:spcBef>
-          <a:spcPts val="500"/>
+          <a:spcPts val="600"/>
         </a:spcBef>
         <a:buFont typeface="Arial" panose="020B0604020202020204" pitchFamily="34" charset="0"/>
         <a:buChar char="•"/>
-        <a:defRPr sz="2000" kern="1200">
-          <a:solidFill>
-            <a:schemeClr val="tx1"/>
-          </a:solidFill>
-          <a:latin typeface="+mn-lt"/>
-          <a:ea typeface="+mn-ea"/>
-          <a:cs typeface="+mn-cs"/>
-        </a:defRPr>
-      </a:lvl3pPr>
-      <a:lvl4pPr marL="1600200" indent="-228600" algn="l" defTabSz="914400" rtl="0" eaLnBrk="1" latinLnBrk="0" hangingPunct="1">
-        <a:lnSpc>
-          <a:spcPct val="90000"/>
-        </a:lnSpc>
-        <a:spcBef>
-          <a:spcPts val="500"/>
-        </a:spcBef>
-        <a:buFont typeface="Arial" panose="020B0604020202020204" pitchFamily="34" charset="0"/>
-        <a:buChar char="•"/>
-        <a:defRPr sz="1800" kern="1200">
+        <a:defRPr sz="2160" kern="1200">
           <a:solidFill>
             <a:schemeClr val="tx1"/>
           </a:solidFill>
@@ -3119,16 +2764,16 @@
           <a:cs typeface="+mn-cs"/>
         </a:defRPr>
       </a:lvl4pPr>
-      <a:lvl5pPr marL="2057400" indent="-228600" algn="l" defTabSz="914400" rtl="0" eaLnBrk="1" latinLnBrk="0" hangingPunct="1">
+      <a:lvl5pPr marL="2468880" indent="-274320" algn="l" defTabSz="1097280" rtl="0" eaLnBrk="1" latinLnBrk="0" hangingPunct="1">
         <a:lnSpc>
           <a:spcPct val="90000"/>
         </a:lnSpc>
         <a:spcBef>
-          <a:spcPts val="500"/>
+          <a:spcPts val="600"/>
         </a:spcBef>
         <a:buFont typeface="Arial" panose="020B0604020202020204" pitchFamily="34" charset="0"/>
         <a:buChar char="•"/>
-        <a:defRPr sz="1800" kern="1200">
+        <a:defRPr sz="2160" kern="1200">
           <a:solidFill>
             <a:schemeClr val="tx1"/>
           </a:solidFill>
@@ -3137,16 +2782,16 @@
           <a:cs typeface="+mn-cs"/>
         </a:defRPr>
       </a:lvl5pPr>
-      <a:lvl6pPr marL="2514600" indent="-228600" algn="l" defTabSz="914400" rtl="0" eaLnBrk="1" latinLnBrk="0" hangingPunct="1">
+      <a:lvl6pPr marL="3017520" indent="-274320" algn="l" defTabSz="1097280" rtl="0" eaLnBrk="1" latinLnBrk="0" hangingPunct="1">
         <a:lnSpc>
           <a:spcPct val="90000"/>
         </a:lnSpc>
         <a:spcBef>
-          <a:spcPts val="500"/>
+          <a:spcPts val="600"/>
         </a:spcBef>
         <a:buFont typeface="Arial" panose="020B0604020202020204" pitchFamily="34" charset="0"/>
         <a:buChar char="•"/>
-        <a:defRPr sz="1800" kern="1200">
+        <a:defRPr sz="2160" kern="1200">
           <a:solidFill>
             <a:schemeClr val="tx1"/>
           </a:solidFill>
@@ -3155,16 +2800,16 @@
           <a:cs typeface="+mn-cs"/>
         </a:defRPr>
       </a:lvl6pPr>
-      <a:lvl7pPr marL="2971800" indent="-228600" algn="l" defTabSz="914400" rtl="0" eaLnBrk="1" latinLnBrk="0" hangingPunct="1">
+      <a:lvl7pPr marL="3566160" indent="-274320" algn="l" defTabSz="1097280" rtl="0" eaLnBrk="1" latinLnBrk="0" hangingPunct="1">
         <a:lnSpc>
           <a:spcPct val="90000"/>
         </a:lnSpc>
         <a:spcBef>
-          <a:spcPts val="500"/>
+          <a:spcPts val="600"/>
         </a:spcBef>
         <a:buFont typeface="Arial" panose="020B0604020202020204" pitchFamily="34" charset="0"/>
         <a:buChar char="•"/>
-        <a:defRPr sz="1800" kern="1200">
+        <a:defRPr sz="2160" kern="1200">
           <a:solidFill>
             <a:schemeClr val="tx1"/>
           </a:solidFill>
@@ -3173,16 +2818,16 @@
           <a:cs typeface="+mn-cs"/>
         </a:defRPr>
       </a:lvl7pPr>
-      <a:lvl8pPr marL="3429000" indent="-228600" algn="l" defTabSz="914400" rtl="0" eaLnBrk="1" latinLnBrk="0" hangingPunct="1">
+      <a:lvl8pPr marL="4114800" indent="-274320" algn="l" defTabSz="1097280" rtl="0" eaLnBrk="1" latinLnBrk="0" hangingPunct="1">
         <a:lnSpc>
           <a:spcPct val="90000"/>
         </a:lnSpc>
         <a:spcBef>
-          <a:spcPts val="500"/>
+          <a:spcPts val="600"/>
         </a:spcBef>
         <a:buFont typeface="Arial" panose="020B0604020202020204" pitchFamily="34" charset="0"/>
         <a:buChar char="•"/>
-        <a:defRPr sz="1800" kern="1200">
+        <a:defRPr sz="2160" kern="1200">
           <a:solidFill>
             <a:schemeClr val="tx1"/>
           </a:solidFill>
@@ -3191,16 +2836,16 @@
           <a:cs typeface="+mn-cs"/>
         </a:defRPr>
       </a:lvl8pPr>
-      <a:lvl9pPr marL="3886200" indent="-228600" algn="l" defTabSz="914400" rtl="0" eaLnBrk="1" latinLnBrk="0" hangingPunct="1">
+      <a:lvl9pPr marL="4663440" indent="-274320" algn="l" defTabSz="1097280" rtl="0" eaLnBrk="1" latinLnBrk="0" hangingPunct="1">
         <a:lnSpc>
           <a:spcPct val="90000"/>
         </a:lnSpc>
         <a:spcBef>
-          <a:spcPts val="500"/>
+          <a:spcPts val="600"/>
         </a:spcBef>
         <a:buFont typeface="Arial" panose="020B0604020202020204" pitchFamily="34" charset="0"/>
         <a:buChar char="•"/>
-        <a:defRPr sz="1800" kern="1200">
+        <a:defRPr sz="2160" kern="1200">
           <a:solidFill>
             <a:schemeClr val="tx1"/>
           </a:solidFill>
@@ -3214,8 +2859,8 @@
       <a:defPPr>
         <a:defRPr lang="en-US"/>
       </a:defPPr>
-      <a:lvl1pPr marL="0" algn="l" defTabSz="914400" rtl="0" eaLnBrk="1" latinLnBrk="0" hangingPunct="1">
-        <a:defRPr sz="1800" kern="1200">
+      <a:lvl1pPr marL="0" algn="l" defTabSz="1097280" rtl="0" eaLnBrk="1" latinLnBrk="0" hangingPunct="1">
+        <a:defRPr sz="2160" kern="1200">
           <a:solidFill>
             <a:schemeClr val="tx1"/>
           </a:solidFill>
@@ -3224,8 +2869,8 @@
           <a:cs typeface="+mn-cs"/>
         </a:defRPr>
       </a:lvl1pPr>
-      <a:lvl2pPr marL="457200" algn="l" defTabSz="914400" rtl="0" eaLnBrk="1" latinLnBrk="0" hangingPunct="1">
-        <a:defRPr sz="1800" kern="1200">
+      <a:lvl2pPr marL="548640" algn="l" defTabSz="1097280" rtl="0" eaLnBrk="1" latinLnBrk="0" hangingPunct="1">
+        <a:defRPr sz="2160" kern="1200">
           <a:solidFill>
             <a:schemeClr val="tx1"/>
           </a:solidFill>
@@ -3234,8 +2879,8 @@
           <a:cs typeface="+mn-cs"/>
         </a:defRPr>
       </a:lvl2pPr>
-      <a:lvl3pPr marL="914400" algn="l" defTabSz="914400" rtl="0" eaLnBrk="1" latinLnBrk="0" hangingPunct="1">
-        <a:defRPr sz="1800" kern="1200">
+      <a:lvl3pPr marL="1097280" algn="l" defTabSz="1097280" rtl="0" eaLnBrk="1" latinLnBrk="0" hangingPunct="1">
+        <a:defRPr sz="2160" kern="1200">
           <a:solidFill>
             <a:schemeClr val="tx1"/>
           </a:solidFill>
@@ -3244,8 +2889,8 @@
           <a:cs typeface="+mn-cs"/>
         </a:defRPr>
       </a:lvl3pPr>
-      <a:lvl4pPr marL="1371600" algn="l" defTabSz="914400" rtl="0" eaLnBrk="1" latinLnBrk="0" hangingPunct="1">
-        <a:defRPr sz="1800" kern="1200">
+      <a:lvl4pPr marL="1645920" algn="l" defTabSz="1097280" rtl="0" eaLnBrk="1" latinLnBrk="0" hangingPunct="1">
+        <a:defRPr sz="2160" kern="1200">
           <a:solidFill>
             <a:schemeClr val="tx1"/>
           </a:solidFill>
@@ -3254,8 +2899,8 @@
           <a:cs typeface="+mn-cs"/>
         </a:defRPr>
       </a:lvl4pPr>
-      <a:lvl5pPr marL="1828800" algn="l" defTabSz="914400" rtl="0" eaLnBrk="1" latinLnBrk="0" hangingPunct="1">
-        <a:defRPr sz="1800" kern="1200">
+      <a:lvl5pPr marL="2194560" algn="l" defTabSz="1097280" rtl="0" eaLnBrk="1" latinLnBrk="0" hangingPunct="1">
+        <a:defRPr sz="2160" kern="1200">
           <a:solidFill>
             <a:schemeClr val="tx1"/>
           </a:solidFill>
@@ -3264,8 +2909,8 @@
           <a:cs typeface="+mn-cs"/>
         </a:defRPr>
       </a:lvl5pPr>
-      <a:lvl6pPr marL="2286000" algn="l" defTabSz="914400" rtl="0" eaLnBrk="1" latinLnBrk="0" hangingPunct="1">
-        <a:defRPr sz="1800" kern="1200">
+      <a:lvl6pPr marL="2743200" algn="l" defTabSz="1097280" rtl="0" eaLnBrk="1" latinLnBrk="0" hangingPunct="1">
+        <a:defRPr sz="2160" kern="1200">
           <a:solidFill>
             <a:schemeClr val="tx1"/>
           </a:solidFill>
@@ -3274,8 +2919,8 @@
           <a:cs typeface="+mn-cs"/>
         </a:defRPr>
       </a:lvl6pPr>
-      <a:lvl7pPr marL="2743200" algn="l" defTabSz="914400" rtl="0" eaLnBrk="1" latinLnBrk="0" hangingPunct="1">
-        <a:defRPr sz="1800" kern="1200">
+      <a:lvl7pPr marL="3291840" algn="l" defTabSz="1097280" rtl="0" eaLnBrk="1" latinLnBrk="0" hangingPunct="1">
+        <a:defRPr sz="2160" kern="1200">
           <a:solidFill>
             <a:schemeClr val="tx1"/>
           </a:solidFill>
@@ -3284,8 +2929,8 @@
           <a:cs typeface="+mn-cs"/>
         </a:defRPr>
       </a:lvl7pPr>
-      <a:lvl8pPr marL="3200400" algn="l" defTabSz="914400" rtl="0" eaLnBrk="1" latinLnBrk="0" hangingPunct="1">
-        <a:defRPr sz="1800" kern="1200">
+      <a:lvl8pPr marL="3840480" algn="l" defTabSz="1097280" rtl="0" eaLnBrk="1" latinLnBrk="0" hangingPunct="1">
+        <a:defRPr sz="2160" kern="1200">
           <a:solidFill>
             <a:schemeClr val="tx1"/>
           </a:solidFill>
@@ -3294,8 +2939,8 @@
           <a:cs typeface="+mn-cs"/>
         </a:defRPr>
       </a:lvl8pPr>
-      <a:lvl9pPr marL="3657600" algn="l" defTabSz="914400" rtl="0" eaLnBrk="1" latinLnBrk="0" hangingPunct="1">
-        <a:defRPr sz="1800" kern="1200">
+      <a:lvl9pPr marL="4389120" algn="l" defTabSz="1097280" rtl="0" eaLnBrk="1" latinLnBrk="0" hangingPunct="1">
+        <a:defRPr sz="2160" kern="1200">
           <a:solidFill>
             <a:schemeClr val="tx1"/>
           </a:solidFill>
@@ -3339,10 +2984,13 @@
       </p:grpSpPr>
       <p:sp>
         <p:nvSpPr>
-          <p:cNvPr id="1028" name="Freeform: Shape 70">
+          <p:cNvPr id="71" name="Freeform: Shape 70">
             <a:extLst>
               <a:ext uri="{FF2B5EF4-FFF2-40B4-BE49-F238E27FC236}">
-                <a16:creationId xmlns:a16="http://schemas.microsoft.com/office/drawing/2014/main" id="{E26B9EF5-5D92-4AC7-BC55-FC5C4C98ED4C}"/>
+                <a16:creationId xmlns:a16="http://schemas.microsoft.com/office/drawing/2014/main" id="{0C526D66-3621-4347-B1EF-342CBF4DB9C1}"/>
+              </a:ext>
+              <a:ext uri="{C183D7F6-B498-43B3-948B-1728B52AA6E4}">
+                <adec:decorative xmlns:adec="http://schemas.microsoft.com/office/drawing/2017/decorative" val="1"/>
               </a:ext>
             </a:extLst>
           </p:cNvPr>
@@ -3359,26 +3007,34 @@
         </p:nvSpPr>
         <p:spPr>
           <a:xfrm>
-            <a:off x="3476199" y="548"/>
-            <a:ext cx="4349752" cy="3142889"/>
+            <a:off x="0" y="604332"/>
+            <a:ext cx="4854393" cy="7968169"/>
           </a:xfrm>
           <a:custGeom>
             <a:avLst/>
             <a:gdLst>
-              <a:gd name="connsiteX0" fmla="*/ 229420 w 4349752"/>
-              <a:gd name="connsiteY0" fmla="*/ 0 h 3142889"/>
-              <a:gd name="connsiteX1" fmla="*/ 4120333 w 4349752"/>
-              <a:gd name="connsiteY1" fmla="*/ 0 h 3142889"/>
-              <a:gd name="connsiteX2" fmla="*/ 4178840 w 4349752"/>
-              <a:gd name="connsiteY2" fmla="*/ 121453 h 3142889"/>
-              <a:gd name="connsiteX3" fmla="*/ 4349752 w 4349752"/>
-              <a:gd name="connsiteY3" fmla="*/ 968013 h 3142889"/>
-              <a:gd name="connsiteX4" fmla="*/ 2174876 w 4349752"/>
-              <a:gd name="connsiteY4" fmla="*/ 3142889 h 3142889"/>
-              <a:gd name="connsiteX5" fmla="*/ 0 w 4349752"/>
-              <a:gd name="connsiteY5" fmla="*/ 968013 h 3142889"/>
-              <a:gd name="connsiteX6" fmla="*/ 170913 w 4349752"/>
-              <a:gd name="connsiteY6" fmla="*/ 121453 h 3142889"/>
+              <a:gd name="connsiteX0" fmla="*/ 2047752 w 5393770"/>
+              <a:gd name="connsiteY0" fmla="*/ 0 h 6374535"/>
+              <a:gd name="connsiteX1" fmla="*/ 5393770 w 5393770"/>
+              <a:gd name="connsiteY1" fmla="*/ 3346018 h 6374535"/>
+              <a:gd name="connsiteX2" fmla="*/ 3642663 w 5393770"/>
+              <a:gd name="connsiteY2" fmla="*/ 6288190 h 6374535"/>
+              <a:gd name="connsiteX3" fmla="*/ 3463422 w 5393770"/>
+              <a:gd name="connsiteY3" fmla="*/ 6374535 h 6374535"/>
+              <a:gd name="connsiteX4" fmla="*/ 624279 w 5393770"/>
+              <a:gd name="connsiteY4" fmla="*/ 6374535 h 6374535"/>
+              <a:gd name="connsiteX5" fmla="*/ 382249 w 5393770"/>
+              <a:gd name="connsiteY5" fmla="*/ 6248727 h 6374535"/>
+              <a:gd name="connsiteX6" fmla="*/ 143729 w 5393770"/>
+              <a:gd name="connsiteY6" fmla="*/ 6097845 h 6374535"/>
+              <a:gd name="connsiteX7" fmla="*/ 0 w 5393770"/>
+              <a:gd name="connsiteY7" fmla="*/ 5989017 h 6374535"/>
+              <a:gd name="connsiteX8" fmla="*/ 0 w 5393770"/>
+              <a:gd name="connsiteY8" fmla="*/ 703020 h 6374535"/>
+              <a:gd name="connsiteX9" fmla="*/ 143728 w 5393770"/>
+              <a:gd name="connsiteY9" fmla="*/ 594191 h 6374535"/>
+              <a:gd name="connsiteX10" fmla="*/ 2047752 w 5393770"/>
+              <a:gd name="connsiteY10" fmla="*/ 0 h 6374535"/>
             </a:gdLst>
             <a:ahLst/>
             <a:cxnLst>
@@ -3403,38 +3059,62 @@
               <a:cxn ang="0">
                 <a:pos x="connsiteX6" y="connsiteY6"/>
               </a:cxn>
+              <a:cxn ang="0">
+                <a:pos x="connsiteX7" y="connsiteY7"/>
+              </a:cxn>
+              <a:cxn ang="0">
+                <a:pos x="connsiteX8" y="connsiteY8"/>
+              </a:cxn>
+              <a:cxn ang="0">
+                <a:pos x="connsiteX9" y="connsiteY9"/>
+              </a:cxn>
+              <a:cxn ang="0">
+                <a:pos x="connsiteX10" y="connsiteY10"/>
+              </a:cxn>
             </a:cxnLst>
             <a:rect l="l" t="t" r="r" b="b"/>
             <a:pathLst>
-              <a:path w="4349752" h="3142889">
+              <a:path w="5393770" h="6374535">
                 <a:moveTo>
-                  <a:pt x="229420" y="0"/>
+                  <a:pt x="2047752" y="0"/>
                 </a:moveTo>
+                <a:cubicBezTo>
+                  <a:pt x="3895707" y="0"/>
+                  <a:pt x="5393770" y="1498063"/>
+                  <a:pt x="5393770" y="3346018"/>
+                </a:cubicBezTo>
+                <a:cubicBezTo>
+                  <a:pt x="5393770" y="4616487"/>
+                  <a:pt x="4685701" y="5721578"/>
+                  <a:pt x="3642663" y="6288190"/>
+                </a:cubicBezTo>
                 <a:lnTo>
-                  <a:pt x="4120333" y="0"/>
+                  <a:pt x="3463422" y="6374535"/>
                 </a:lnTo>
                 <a:lnTo>
-                  <a:pt x="4178840" y="121453"/>
+                  <a:pt x="624279" y="6374535"/>
+                </a:lnTo>
+                <a:lnTo>
+                  <a:pt x="382249" y="6248727"/>
                 </a:lnTo>
                 <a:cubicBezTo>
-                  <a:pt x="4288894" y="381652"/>
-                  <a:pt x="4349752" y="667725"/>
-                  <a:pt x="4349752" y="968013"/>
+                  <a:pt x="300507" y="6201724"/>
+                  <a:pt x="220937" y="6151368"/>
+                  <a:pt x="143729" y="6097845"/>
                 </a:cubicBezTo>
+                <a:lnTo>
+                  <a:pt x="0" y="5989017"/>
+                </a:lnTo>
+                <a:lnTo>
+                  <a:pt x="0" y="703020"/>
+                </a:lnTo>
+                <a:lnTo>
+                  <a:pt x="143728" y="594191"/>
+                </a:lnTo>
                 <a:cubicBezTo>
-                  <a:pt x="4349752" y="2169164"/>
-                  <a:pt x="3376027" y="3142889"/>
-                  <a:pt x="2174876" y="3142889"/>
-                </a:cubicBezTo>
-                <a:cubicBezTo>
-                  <a:pt x="973725" y="3142889"/>
-                  <a:pt x="0" y="2169164"/>
-                  <a:pt x="0" y="968013"/>
-                </a:cubicBezTo>
-                <a:cubicBezTo>
-                  <a:pt x="0" y="667725"/>
-                  <a:pt x="60858" y="381652"/>
-                  <a:pt x="170913" y="121453"/>
+                  <a:pt x="684187" y="219535"/>
+                  <a:pt x="1340332" y="0"/>
+                  <a:pt x="2047752" y="0"/>
                 </a:cubicBezTo>
                 <a:close/>
               </a:path>
@@ -3466,7 +3146,9 @@
           </a:fontRef>
         </p:style>
         <p:txBody>
-          <a:bodyPr rtlCol="0" anchor="ctr"/>
+          <a:bodyPr wrap="square" rtlCol="0" anchor="ctr">
+            <a:noAutofit/>
+          </a:bodyPr>
           <a:lstStyle/>
           <a:p>
             <a:pPr marL="0" marR="0" lvl="0" indent="0" algn="ctr" defTabSz="914400" rtl="0" eaLnBrk="1" fontAlgn="auto" latinLnBrk="0" hangingPunct="1">
@@ -3486,7 +3168,7 @@
               <a:tabLst/>
               <a:defRPr/>
             </a:pPr>
-            <a:endParaRPr kumimoji="0" lang="en-US" sz="1800" b="0" i="0" u="none" strike="noStrike" kern="1200" cap="none" spc="0" normalizeH="0" baseline="0" noProof="0" dirty="0">
+            <a:endParaRPr kumimoji="0" lang="en-US" sz="1800" b="0" i="0" u="none" strike="noStrike" kern="1200" cap="none" spc="0" normalizeH="0" baseline="0" noProof="0">
               <a:ln>
                 <a:noFill/>
               </a:ln>
@@ -3508,7 +3190,10 @@
           <p:cNvPr id="73" name="Freeform: Shape 72">
             <a:extLst>
               <a:ext uri="{FF2B5EF4-FFF2-40B4-BE49-F238E27FC236}">
-                <a16:creationId xmlns:a16="http://schemas.microsoft.com/office/drawing/2014/main" id="{F05C5575-0F07-43D0-AE78-81EAA8E67152}"/>
+                <a16:creationId xmlns:a16="http://schemas.microsoft.com/office/drawing/2014/main" id="{0193166D-DDF1-4F9A-A786-A7AEF5375C06}"/>
+              </a:ext>
+              <a:ext uri="{C183D7F6-B498-43B3-948B-1728B52AA6E4}">
+                <adec:decorative xmlns:adec="http://schemas.microsoft.com/office/drawing/2017/decorative" val="1"/>
               </a:ext>
             </a:extLst>
           </p:cNvPr>
@@ -3525,28 +3210,34 @@
         </p:nvSpPr>
         <p:spPr>
           <a:xfrm>
-            <a:off x="7653759" y="1421356"/>
-            <a:ext cx="4538241" cy="5436644"/>
+            <a:off x="0" y="809216"/>
+            <a:ext cx="4706877" cy="7763286"/>
           </a:xfrm>
           <a:custGeom>
             <a:avLst/>
             <a:gdLst>
-              <a:gd name="connsiteX0" fmla="*/ 3084645 w 4538241"/>
-              <a:gd name="connsiteY0" fmla="*/ 0 h 5436644"/>
-              <a:gd name="connsiteX1" fmla="*/ 4285328 w 4538241"/>
-              <a:gd name="connsiteY1" fmla="*/ 242407 h 5436644"/>
-              <a:gd name="connsiteX2" fmla="*/ 4538241 w 4538241"/>
-              <a:gd name="connsiteY2" fmla="*/ 364242 h 5436644"/>
-              <a:gd name="connsiteX3" fmla="*/ 4538241 w 4538241"/>
-              <a:gd name="connsiteY3" fmla="*/ 5436644 h 5436644"/>
-              <a:gd name="connsiteX4" fmla="*/ 1091428 w 4538241"/>
-              <a:gd name="connsiteY4" fmla="*/ 5436644 h 5436644"/>
-              <a:gd name="connsiteX5" fmla="*/ 903472 w 4538241"/>
-              <a:gd name="connsiteY5" fmla="*/ 5265818 h 5436644"/>
-              <a:gd name="connsiteX6" fmla="*/ 0 w 4538241"/>
-              <a:gd name="connsiteY6" fmla="*/ 3084645 h 5436644"/>
-              <a:gd name="connsiteX7" fmla="*/ 3084645 w 4538241"/>
-              <a:gd name="connsiteY7" fmla="*/ 0 h 5436644"/>
+              <a:gd name="connsiteX0" fmla="*/ 2047751 w 5229863"/>
+              <a:gd name="connsiteY0" fmla="*/ 0 h 6210629"/>
+              <a:gd name="connsiteX1" fmla="*/ 5229863 w 5229863"/>
+              <a:gd name="connsiteY1" fmla="*/ 3182112 h 6210629"/>
+              <a:gd name="connsiteX2" fmla="*/ 3286373 w 5229863"/>
+              <a:gd name="connsiteY2" fmla="*/ 6114158 h 6210629"/>
+              <a:gd name="connsiteX3" fmla="*/ 3022794 w 5229863"/>
+              <a:gd name="connsiteY3" fmla="*/ 6210629 h 6210629"/>
+              <a:gd name="connsiteX4" fmla="*/ 1077939 w 5229863"/>
+              <a:gd name="connsiteY4" fmla="*/ 6210629 h 6210629"/>
+              <a:gd name="connsiteX5" fmla="*/ 953634 w 5229863"/>
+              <a:gd name="connsiteY5" fmla="*/ 6171135 h 6210629"/>
+              <a:gd name="connsiteX6" fmla="*/ 23632 w 5229863"/>
+              <a:gd name="connsiteY6" fmla="*/ 5637585 h 6210629"/>
+              <a:gd name="connsiteX7" fmla="*/ 0 w 5229863"/>
+              <a:gd name="connsiteY7" fmla="*/ 5616107 h 6210629"/>
+              <a:gd name="connsiteX8" fmla="*/ 0 w 5229863"/>
+              <a:gd name="connsiteY8" fmla="*/ 748118 h 6210629"/>
+              <a:gd name="connsiteX9" fmla="*/ 23632 w 5229863"/>
+              <a:gd name="connsiteY9" fmla="*/ 726640 h 6210629"/>
+              <a:gd name="connsiteX10" fmla="*/ 2047751 w 5229863"/>
+              <a:gd name="connsiteY10" fmla="*/ 0 h 6210629"/>
             </a:gdLst>
             <a:ahLst/>
             <a:cxnLst>
@@ -3574,39 +3265,228 @@
               <a:cxn ang="0">
                 <a:pos x="connsiteX7" y="connsiteY7"/>
               </a:cxn>
+              <a:cxn ang="0">
+                <a:pos x="connsiteX8" y="connsiteY8"/>
+              </a:cxn>
+              <a:cxn ang="0">
+                <a:pos x="connsiteX9" y="connsiteY9"/>
+              </a:cxn>
+              <a:cxn ang="0">
+                <a:pos x="connsiteX10" y="connsiteY10"/>
+              </a:cxn>
             </a:cxnLst>
             <a:rect l="l" t="t" r="r" b="b"/>
             <a:pathLst>
-              <a:path w="4538241" h="5436644">
+              <a:path w="5229863" h="6210629">
                 <a:moveTo>
-                  <a:pt x="3084645" y="0"/>
+                  <a:pt x="2047751" y="0"/>
                 </a:moveTo>
                 <a:cubicBezTo>
-                  <a:pt x="3510546" y="0"/>
-                  <a:pt x="3916286" y="86315"/>
-                  <a:pt x="4285328" y="242407"/>
+                  <a:pt x="3805183" y="0"/>
+                  <a:pt x="5229863" y="1424680"/>
+                  <a:pt x="5229863" y="3182112"/>
+                </a:cubicBezTo>
+                <a:cubicBezTo>
+                  <a:pt x="5229863" y="4500186"/>
+                  <a:pt x="4428481" y="5631087"/>
+                  <a:pt x="3286373" y="6114158"/>
                 </a:cubicBezTo>
                 <a:lnTo>
-                  <a:pt x="4538241" y="364242"/>
+                  <a:pt x="3022794" y="6210629"/>
                 </a:lnTo>
                 <a:lnTo>
-                  <a:pt x="4538241" y="5436644"/>
+                  <a:pt x="1077939" y="6210629"/>
                 </a:lnTo>
                 <a:lnTo>
-                  <a:pt x="1091428" y="5436644"/>
+                  <a:pt x="953634" y="6171135"/>
+                </a:lnTo>
+                <a:cubicBezTo>
+                  <a:pt x="612471" y="6046219"/>
+                  <a:pt x="298661" y="5864559"/>
+                  <a:pt x="23632" y="5637585"/>
+                </a:cubicBezTo>
+                <a:lnTo>
+                  <a:pt x="0" y="5616107"/>
                 </a:lnTo>
                 <a:lnTo>
-                  <a:pt x="903472" y="5265818"/>
+                  <a:pt x="0" y="748118"/>
+                </a:lnTo>
+                <a:lnTo>
+                  <a:pt x="23632" y="726640"/>
                 </a:lnTo>
                 <a:cubicBezTo>
-                  <a:pt x="345261" y="4707608"/>
-                  <a:pt x="0" y="3936446"/>
-                  <a:pt x="0" y="3084645"/>
+                  <a:pt x="573689" y="272693"/>
+                  <a:pt x="1278875" y="0"/>
+                  <a:pt x="2047751" y="0"/>
+                </a:cubicBezTo>
+                <a:close/>
+              </a:path>
+            </a:pathLst>
+          </a:custGeom>
+          <a:solidFill>
+            <a:schemeClr val="tx1"/>
+          </a:solidFill>
+          <a:ln>
+            <a:noFill/>
+          </a:ln>
+        </p:spPr>
+        <p:style>
+          <a:lnRef idx="2">
+            <a:schemeClr val="accent1">
+              <a:shade val="50000"/>
+            </a:schemeClr>
+          </a:lnRef>
+          <a:fillRef idx="1">
+            <a:schemeClr val="accent1"/>
+          </a:fillRef>
+          <a:effectRef idx="0">
+            <a:schemeClr val="accent1"/>
+          </a:effectRef>
+          <a:fontRef idx="minor">
+            <a:schemeClr val="lt1"/>
+          </a:fontRef>
+        </p:style>
+        <p:txBody>
+          <a:bodyPr wrap="square" rtlCol="0" anchor="ctr">
+            <a:noAutofit/>
+          </a:bodyPr>
+          <a:lstStyle/>
+          <a:p>
+            <a:pPr marL="0" marR="0" lvl="0" indent="0" algn="ctr" defTabSz="914400" rtl="0" eaLnBrk="1" fontAlgn="auto" latinLnBrk="0" hangingPunct="1">
+              <a:lnSpc>
+                <a:spcPct val="100000"/>
+              </a:lnSpc>
+              <a:spcBef>
+                <a:spcPts val="0"/>
+              </a:spcBef>
+              <a:spcAft>
+                <a:spcPts val="0"/>
+              </a:spcAft>
+              <a:buClrTx/>
+              <a:buSzTx/>
+              <a:buFontTx/>
+              <a:buNone/>
+              <a:tabLst/>
+              <a:defRPr/>
+            </a:pPr>
+            <a:endParaRPr kumimoji="0" lang="en-US" sz="1800" b="0" i="0" u="none" strike="noStrike" kern="1200" cap="none" spc="0" normalizeH="0" baseline="0" noProof="0">
+              <a:ln>
+                <a:noFill/>
+              </a:ln>
+              <a:solidFill>
+                <a:prstClr val="white"/>
+              </a:solidFill>
+              <a:effectLst/>
+              <a:uLnTx/>
+              <a:uFillTx/>
+              <a:latin typeface="Calibri" panose="020F0502020204030204"/>
+              <a:ea typeface="+mn-ea"/>
+              <a:cs typeface="+mn-cs"/>
+            </a:endParaRPr>
+          </a:p>
+        </p:txBody>
+      </p:sp>
+      <p:sp>
+        <p:nvSpPr>
+          <p:cNvPr id="75" name="Freeform: Shape 74">
+            <a:extLst>
+              <a:ext uri="{FF2B5EF4-FFF2-40B4-BE49-F238E27FC236}">
+                <a16:creationId xmlns:a16="http://schemas.microsoft.com/office/drawing/2014/main" id="{8A177BCC-4208-4795-8572-4D623BA1E2A0}"/>
+              </a:ext>
+              <a:ext uri="{C183D7F6-B498-43B3-948B-1728B52AA6E4}">
+                <adec:decorative xmlns:adec="http://schemas.microsoft.com/office/drawing/2017/decorative" val="1"/>
+              </a:ext>
+            </a:extLst>
+          </p:cNvPr>
+          <p:cNvSpPr>
+            <a:spLocks noGrp="1" noRot="1" noChangeAspect="1" noMove="1" noResize="1" noEditPoints="1" noAdjustHandles="1" noChangeArrowheads="1" noChangeShapeType="1" noTextEdit="1"/>
+          </p:cNvSpPr>
+          <p:nvPr>
+            <p:extLst>
+              <p:ext uri="{386F3935-93C4-4BCD-93E2-E3B085C9AB24}">
+                <p16:designElem xmlns:p16="http://schemas.microsoft.com/office/powerpoint/2015/main" val="1"/>
+              </p:ext>
+            </p:extLst>
+          </p:nvPr>
+        </p:nvSpPr>
+        <p:spPr>
+          <a:xfrm>
+            <a:off x="4710386" y="1"/>
+            <a:ext cx="4032504" cy="3142491"/>
+          </a:xfrm>
+          <a:custGeom>
+            <a:avLst/>
+            <a:gdLst>
+              <a:gd name="connsiteX0" fmla="*/ 18382 w 4480560"/>
+              <a:gd name="connsiteY0" fmla="*/ 0 h 2513993"/>
+              <a:gd name="connsiteX1" fmla="*/ 4462178 w 4480560"/>
+              <a:gd name="connsiteY1" fmla="*/ 0 h 2513993"/>
+              <a:gd name="connsiteX2" fmla="*/ 4468994 w 4480560"/>
+              <a:gd name="connsiteY2" fmla="*/ 44657 h 2513993"/>
+              <a:gd name="connsiteX3" fmla="*/ 4480560 w 4480560"/>
+              <a:gd name="connsiteY3" fmla="*/ 273713 h 2513993"/>
+              <a:gd name="connsiteX4" fmla="*/ 2240280 w 4480560"/>
+              <a:gd name="connsiteY4" fmla="*/ 2513993 h 2513993"/>
+              <a:gd name="connsiteX5" fmla="*/ 0 w 4480560"/>
+              <a:gd name="connsiteY5" fmla="*/ 273713 h 2513993"/>
+              <a:gd name="connsiteX6" fmla="*/ 11567 w 4480560"/>
+              <a:gd name="connsiteY6" fmla="*/ 44657 h 2513993"/>
+            </a:gdLst>
+            <a:ahLst/>
+            <a:cxnLst>
+              <a:cxn ang="0">
+                <a:pos x="connsiteX0" y="connsiteY0"/>
+              </a:cxn>
+              <a:cxn ang="0">
+                <a:pos x="connsiteX1" y="connsiteY1"/>
+              </a:cxn>
+              <a:cxn ang="0">
+                <a:pos x="connsiteX2" y="connsiteY2"/>
+              </a:cxn>
+              <a:cxn ang="0">
+                <a:pos x="connsiteX3" y="connsiteY3"/>
+              </a:cxn>
+              <a:cxn ang="0">
+                <a:pos x="connsiteX4" y="connsiteY4"/>
+              </a:cxn>
+              <a:cxn ang="0">
+                <a:pos x="connsiteX5" y="connsiteY5"/>
+              </a:cxn>
+              <a:cxn ang="0">
+                <a:pos x="connsiteX6" y="connsiteY6"/>
+              </a:cxn>
+            </a:cxnLst>
+            <a:rect l="l" t="t" r="r" b="b"/>
+            <a:pathLst>
+              <a:path w="4480560" h="2513993">
+                <a:moveTo>
+                  <a:pt x="18382" y="0"/>
+                </a:moveTo>
+                <a:lnTo>
+                  <a:pt x="4462178" y="0"/>
+                </a:lnTo>
+                <a:lnTo>
+                  <a:pt x="4468994" y="44657"/>
+                </a:lnTo>
+                <a:cubicBezTo>
+                  <a:pt x="4476642" y="119969"/>
+                  <a:pt x="4480560" y="196384"/>
+                  <a:pt x="4480560" y="273713"/>
                 </a:cubicBezTo>
                 <a:cubicBezTo>
-                  <a:pt x="0" y="1381043"/>
-                  <a:pt x="1381043" y="0"/>
-                  <a:pt x="3084645" y="0"/>
+                  <a:pt x="4480560" y="1510985"/>
+                  <a:pt x="3477552" y="2513993"/>
+                  <a:pt x="2240280" y="2513993"/>
+                </a:cubicBezTo>
+                <a:cubicBezTo>
+                  <a:pt x="1003008" y="2513993"/>
+                  <a:pt x="0" y="1510985"/>
+                  <a:pt x="0" y="273713"/>
+                </a:cubicBezTo>
+                <a:cubicBezTo>
+                  <a:pt x="0" y="196384"/>
+                  <a:pt x="3918" y="119969"/>
+                  <a:pt x="11567" y="44657"/>
                 </a:cubicBezTo>
                 <a:close/>
               </a:path>
@@ -3658,7 +3538,7 @@
               <a:tabLst/>
               <a:defRPr/>
             </a:pPr>
-            <a:endParaRPr kumimoji="0" lang="en-US" sz="1800" b="0" i="0" u="none" strike="noStrike" kern="1200" cap="none" spc="0" normalizeH="0" baseline="0" noProof="0" dirty="0">
+            <a:endParaRPr kumimoji="0" lang="en-US" sz="1800" b="0" i="0" u="none" strike="noStrike" kern="1200" cap="none" spc="0" normalizeH="0" baseline="0" noProof="0">
               <a:ln>
                 <a:noFill/>
               </a:ln>
@@ -3677,10 +3557,13 @@
       </p:sp>
       <p:sp>
         <p:nvSpPr>
-          <p:cNvPr id="75" name="Freeform: Shape 74">
+          <p:cNvPr id="77" name="Freeform: Shape 76">
             <a:extLst>
               <a:ext uri="{FF2B5EF4-FFF2-40B4-BE49-F238E27FC236}">
-                <a16:creationId xmlns:a16="http://schemas.microsoft.com/office/drawing/2014/main" id="{CED520D6-8B57-4047-BB5F-2BE1017B2A0D}"/>
+                <a16:creationId xmlns:a16="http://schemas.microsoft.com/office/drawing/2014/main" id="{E4EE7214-AC05-465E-A501-65AA04EF5E1A}"/>
+              </a:ext>
+              <a:ext uri="{C183D7F6-B498-43B3-948B-1728B52AA6E4}">
+                <adec:decorative xmlns:adec="http://schemas.microsoft.com/office/drawing/2017/decorative" val="1"/>
               </a:ext>
             </a:extLst>
           </p:cNvPr>
@@ -3697,26 +3580,26 @@
         </p:nvSpPr>
         <p:spPr>
           <a:xfrm>
-            <a:off x="3639395" y="0"/>
-            <a:ext cx="4023360" cy="2980240"/>
+            <a:off x="4858519" y="2"/>
+            <a:ext cx="3736238" cy="2936751"/>
           </a:xfrm>
           <a:custGeom>
             <a:avLst/>
             <a:gdLst>
-              <a:gd name="connsiteX0" fmla="*/ 248676 w 4023360"/>
-              <a:gd name="connsiteY0" fmla="*/ 0 h 2980240"/>
-              <a:gd name="connsiteX1" fmla="*/ 3774684 w 4023360"/>
-              <a:gd name="connsiteY1" fmla="*/ 0 h 2980240"/>
-              <a:gd name="connsiteX2" fmla="*/ 3780561 w 4023360"/>
-              <a:gd name="connsiteY2" fmla="*/ 9674 h 2980240"/>
-              <a:gd name="connsiteX3" fmla="*/ 4023360 w 4023360"/>
-              <a:gd name="connsiteY3" fmla="*/ 968560 h 2980240"/>
-              <a:gd name="connsiteX4" fmla="*/ 2011680 w 4023360"/>
-              <a:gd name="connsiteY4" fmla="*/ 2980240 h 2980240"/>
-              <a:gd name="connsiteX5" fmla="*/ 0 w 4023360"/>
-              <a:gd name="connsiteY5" fmla="*/ 968560 h 2980240"/>
-              <a:gd name="connsiteX6" fmla="*/ 242799 w 4023360"/>
-              <a:gd name="connsiteY6" fmla="*/ 9674 h 2980240"/>
+              <a:gd name="connsiteX0" fmla="*/ 20101 w 4151376"/>
+              <a:gd name="connsiteY0" fmla="*/ 0 h 2349401"/>
+              <a:gd name="connsiteX1" fmla="*/ 4131276 w 4151376"/>
+              <a:gd name="connsiteY1" fmla="*/ 0 h 2349401"/>
+              <a:gd name="connsiteX2" fmla="*/ 4140659 w 4151376"/>
+              <a:gd name="connsiteY2" fmla="*/ 61486 h 2349401"/>
+              <a:gd name="connsiteX3" fmla="*/ 4151376 w 4151376"/>
+              <a:gd name="connsiteY3" fmla="*/ 273713 h 2349401"/>
+              <a:gd name="connsiteX4" fmla="*/ 2075688 w 4151376"/>
+              <a:gd name="connsiteY4" fmla="*/ 2349401 h 2349401"/>
+              <a:gd name="connsiteX5" fmla="*/ 0 w 4151376"/>
+              <a:gd name="connsiteY5" fmla="*/ 273713 h 2349401"/>
+              <a:gd name="connsiteX6" fmla="*/ 10717 w 4151376"/>
+              <a:gd name="connsiteY6" fmla="*/ 61486 h 2349401"/>
             </a:gdLst>
             <a:ahLst/>
             <a:cxnLst>
@@ -3744,35 +3627,35 @@
             </a:cxnLst>
             <a:rect l="l" t="t" r="r" b="b"/>
             <a:pathLst>
-              <a:path w="4023360" h="2980240">
+              <a:path w="4151376" h="2349401">
                 <a:moveTo>
-                  <a:pt x="248676" y="0"/>
+                  <a:pt x="20101" y="0"/>
                 </a:moveTo>
                 <a:lnTo>
-                  <a:pt x="3774684" y="0"/>
+                  <a:pt x="4131276" y="0"/>
                 </a:lnTo>
                 <a:lnTo>
-                  <a:pt x="3780561" y="9674"/>
+                  <a:pt x="4140659" y="61486"/>
                 </a:lnTo>
                 <a:cubicBezTo>
-                  <a:pt x="3935405" y="294716"/>
-                  <a:pt x="4023360" y="621366"/>
-                  <a:pt x="4023360" y="968560"/>
+                  <a:pt x="4147746" y="131265"/>
+                  <a:pt x="4151376" y="202065"/>
+                  <a:pt x="4151376" y="273713"/>
                 </a:cubicBezTo>
                 <a:cubicBezTo>
-                  <a:pt x="4023360" y="2079580"/>
-                  <a:pt x="3122700" y="2980240"/>
-                  <a:pt x="2011680" y="2980240"/>
+                  <a:pt x="4151376" y="1420084"/>
+                  <a:pt x="3222059" y="2349401"/>
+                  <a:pt x="2075688" y="2349401"/>
                 </a:cubicBezTo>
                 <a:cubicBezTo>
-                  <a:pt x="900660" y="2980240"/>
-                  <a:pt x="0" y="2079580"/>
-                  <a:pt x="0" y="968560"/>
+                  <a:pt x="929317" y="2349401"/>
+                  <a:pt x="0" y="1420084"/>
+                  <a:pt x="0" y="273713"/>
                 </a:cubicBezTo>
                 <a:cubicBezTo>
-                  <a:pt x="0" y="621366"/>
-                  <a:pt x="87955" y="294716"/>
-                  <a:pt x="242799" y="9674"/>
+                  <a:pt x="0" y="202065"/>
+                  <a:pt x="3630" y="131265"/>
+                  <a:pt x="10717" y="61486"/>
                 </a:cubicBezTo>
                 <a:close/>
               </a:path>
@@ -3839,212 +3722,6 @@
           </a:p>
         </p:txBody>
       </p:sp>
-      <p:sp>
-        <p:nvSpPr>
-          <p:cNvPr id="77" name="Freeform: Shape 76">
-            <a:extLst>
-              <a:ext uri="{FF2B5EF4-FFF2-40B4-BE49-F238E27FC236}">
-                <a16:creationId xmlns:a16="http://schemas.microsoft.com/office/drawing/2014/main" id="{C7583227-44AB-4ECD-AD51-9EC7A5A3E5F1}"/>
-              </a:ext>
-            </a:extLst>
-          </p:cNvPr>
-          <p:cNvSpPr>
-            <a:spLocks noGrp="1" noRot="1" noChangeAspect="1" noMove="1" noResize="1" noEditPoints="1" noAdjustHandles="1" noChangeArrowheads="1" noChangeShapeType="1" noTextEdit="1"/>
-          </p:cNvSpPr>
-          <p:nvPr>
-            <p:extLst>
-              <p:ext uri="{386F3935-93C4-4BCD-93E2-E3B085C9AB24}">
-                <p16:designElem xmlns:p16="http://schemas.microsoft.com/office/powerpoint/2015/main" val="1"/>
-              </p:ext>
-            </p:extLst>
-          </p:nvPr>
-        </p:nvSpPr>
-        <p:spPr>
-          <a:xfrm>
-            <a:off x="7816897" y="1584494"/>
-            <a:ext cx="4375105" cy="5273507"/>
-          </a:xfrm>
-          <a:custGeom>
-            <a:avLst/>
-            <a:gdLst>
-              <a:gd name="connsiteX0" fmla="*/ 2921508 w 4375105"/>
-              <a:gd name="connsiteY0" fmla="*/ 0 h 5273507"/>
-              <a:gd name="connsiteX1" fmla="*/ 4314072 w 4375105"/>
-              <a:gd name="connsiteY1" fmla="*/ 352611 h 5273507"/>
-              <a:gd name="connsiteX2" fmla="*/ 4375105 w 4375105"/>
-              <a:gd name="connsiteY2" fmla="*/ 389689 h 5273507"/>
-              <a:gd name="connsiteX3" fmla="*/ 4375105 w 4375105"/>
-              <a:gd name="connsiteY3" fmla="*/ 5273507 h 5273507"/>
-              <a:gd name="connsiteX4" fmla="*/ 1193705 w 4375105"/>
-              <a:gd name="connsiteY4" fmla="*/ 5273507 h 5273507"/>
-              <a:gd name="connsiteX5" fmla="*/ 1063158 w 4375105"/>
-              <a:gd name="connsiteY5" fmla="*/ 5175886 h 5273507"/>
-              <a:gd name="connsiteX6" fmla="*/ 0 w 4375105"/>
-              <a:gd name="connsiteY6" fmla="*/ 2921508 h 5273507"/>
-              <a:gd name="connsiteX7" fmla="*/ 2921508 w 4375105"/>
-              <a:gd name="connsiteY7" fmla="*/ 0 h 5273507"/>
-            </a:gdLst>
-            <a:ahLst/>
-            <a:cxnLst>
-              <a:cxn ang="0">
-                <a:pos x="connsiteX0" y="connsiteY0"/>
-              </a:cxn>
-              <a:cxn ang="0">
-                <a:pos x="connsiteX1" y="connsiteY1"/>
-              </a:cxn>
-              <a:cxn ang="0">
-                <a:pos x="connsiteX2" y="connsiteY2"/>
-              </a:cxn>
-              <a:cxn ang="0">
-                <a:pos x="connsiteX3" y="connsiteY3"/>
-              </a:cxn>
-              <a:cxn ang="0">
-                <a:pos x="connsiteX4" y="connsiteY4"/>
-              </a:cxn>
-              <a:cxn ang="0">
-                <a:pos x="connsiteX5" y="connsiteY5"/>
-              </a:cxn>
-              <a:cxn ang="0">
-                <a:pos x="connsiteX6" y="connsiteY6"/>
-              </a:cxn>
-              <a:cxn ang="0">
-                <a:pos x="connsiteX7" y="connsiteY7"/>
-              </a:cxn>
-            </a:cxnLst>
-            <a:rect l="l" t="t" r="r" b="b"/>
-            <a:pathLst>
-              <a:path w="4375105" h="5273507">
-                <a:moveTo>
-                  <a:pt x="2921508" y="0"/>
-                </a:moveTo>
-                <a:cubicBezTo>
-                  <a:pt x="3425728" y="0"/>
-                  <a:pt x="3900114" y="127735"/>
-                  <a:pt x="4314072" y="352611"/>
-                </a:cubicBezTo>
-                <a:lnTo>
-                  <a:pt x="4375105" y="389689"/>
-                </a:lnTo>
-                <a:lnTo>
-                  <a:pt x="4375105" y="5273507"/>
-                </a:lnTo>
-                <a:lnTo>
-                  <a:pt x="1193705" y="5273507"/>
-                </a:lnTo>
-                <a:lnTo>
-                  <a:pt x="1063158" y="5175886"/>
-                </a:lnTo>
-                <a:cubicBezTo>
-                  <a:pt x="413861" y="4640038"/>
-                  <a:pt x="0" y="3829104"/>
-                  <a:pt x="0" y="2921508"/>
-                </a:cubicBezTo>
-                <a:cubicBezTo>
-                  <a:pt x="0" y="1308004"/>
-                  <a:pt x="1308004" y="0"/>
-                  <a:pt x="2921508" y="0"/>
-                </a:cubicBezTo>
-                <a:close/>
-              </a:path>
-            </a:pathLst>
-          </a:custGeom>
-          <a:solidFill>
-            <a:schemeClr val="tx1"/>
-          </a:solidFill>
-          <a:ln>
-            <a:noFill/>
-          </a:ln>
-        </p:spPr>
-        <p:style>
-          <a:lnRef idx="2">
-            <a:schemeClr val="accent1">
-              <a:shade val="50000"/>
-            </a:schemeClr>
-          </a:lnRef>
-          <a:fillRef idx="1">
-            <a:schemeClr val="accent1"/>
-          </a:fillRef>
-          <a:effectRef idx="0">
-            <a:schemeClr val="accent1"/>
-          </a:effectRef>
-          <a:fontRef idx="minor">
-            <a:schemeClr val="lt1"/>
-          </a:fontRef>
-        </p:style>
-        <p:txBody>
-          <a:bodyPr rtlCol="0" anchor="ctr"/>
-          <a:lstStyle/>
-          <a:p>
-            <a:pPr marL="0" marR="0" lvl="0" indent="0" algn="ctr" defTabSz="914400" rtl="0" eaLnBrk="1" fontAlgn="auto" latinLnBrk="0" hangingPunct="1">
-              <a:lnSpc>
-                <a:spcPct val="100000"/>
-              </a:lnSpc>
-              <a:spcBef>
-                <a:spcPts val="0"/>
-              </a:spcBef>
-              <a:spcAft>
-                <a:spcPts val="0"/>
-              </a:spcAft>
-              <a:buClrTx/>
-              <a:buSzTx/>
-              <a:buFontTx/>
-              <a:buNone/>
-              <a:tabLst/>
-              <a:defRPr/>
-            </a:pPr>
-            <a:endParaRPr kumimoji="0" lang="en-US" sz="1800" b="0" i="0" u="none" strike="noStrike" kern="1200" cap="none" spc="0" normalizeH="0" baseline="0" noProof="0">
-              <a:ln>
-                <a:noFill/>
-              </a:ln>
-              <a:solidFill>
-                <a:prstClr val="white"/>
-              </a:solidFill>
-              <a:effectLst/>
-              <a:uLnTx/>
-              <a:uFillTx/>
-              <a:latin typeface="Calibri" panose="020F0502020204030204"/>
-              <a:ea typeface="+mn-ea"/>
-              <a:cs typeface="+mn-cs"/>
-            </a:endParaRPr>
-          </a:p>
-        </p:txBody>
-      </p:sp>
-      <p:pic>
-        <p:nvPicPr>
-          <p:cNvPr id="5" name="Picture 4" descr="A close up of a sign&#10;&#10;Description generated with very high confidence">
-            <a:extLst>
-              <a:ext uri="{FF2B5EF4-FFF2-40B4-BE49-F238E27FC236}">
-                <a16:creationId xmlns:a16="http://schemas.microsoft.com/office/drawing/2014/main" id="{77274846-A9C4-4947-A47A-778AAFAA5F50}"/>
-              </a:ext>
-            </a:extLst>
-          </p:cNvPr>
-          <p:cNvPicPr>
-            <a:picLocks noChangeAspect="1"/>
-          </p:cNvPicPr>
-          <p:nvPr/>
-        </p:nvPicPr>
-        <p:blipFill>
-          <a:blip r:embed="rId2">
-            <a:extLst>
-              <a:ext uri="{28A0092B-C50C-407E-A947-70E740481C1C}">
-                <a14:useLocalDpi xmlns:a14="http://schemas.microsoft.com/office/drawing/2010/main" val="0"/>
-              </a:ext>
-            </a:extLst>
-          </a:blip>
-          <a:stretch>
-            <a:fillRect/>
-          </a:stretch>
-        </p:blipFill>
-        <p:spPr>
-          <a:xfrm>
-            <a:off x="4585333" y="211666"/>
-            <a:ext cx="2131483" cy="2131483"/>
-          </a:xfrm>
-          <a:prstGeom prst="rect">
-            <a:avLst/>
-          </a:prstGeom>
-        </p:spPr>
-      </p:pic>
       <p:pic>
         <p:nvPicPr>
           <p:cNvPr id="1026" name="Picture 2" descr="See the source image">
@@ -4060,7 +3737,7 @@
           <p:nvPr/>
         </p:nvPicPr>
         <p:blipFill>
-          <a:blip r:embed="rId3">
+          <a:blip r:embed="rId2">
             <a:extLst>
               <a:ext uri="{28A0092B-C50C-407E-A947-70E740481C1C}">
                 <a14:useLocalDpi xmlns:a14="http://schemas.microsoft.com/office/drawing/2010/main" val="0"/>
@@ -4074,8 +3751,8 @@
         </p:blipFill>
         <p:spPr bwMode="auto">
           <a:xfrm>
-            <a:off x="8821130" y="2935957"/>
-            <a:ext cx="3088111" cy="3119304"/>
+            <a:off x="282893" y="3168507"/>
+            <a:ext cx="3350552" cy="3384396"/>
           </a:xfrm>
           <a:prstGeom prst="rect">
             <a:avLst/>
@@ -4092,6 +3769,42 @@
           </a:extLst>
         </p:spPr>
       </p:pic>
+      <p:pic>
+        <p:nvPicPr>
+          <p:cNvPr id="5" name="Picture 4" descr="A close up of a sign&#10;&#10;Description generated with very high confidence">
+            <a:extLst>
+              <a:ext uri="{FF2B5EF4-FFF2-40B4-BE49-F238E27FC236}">
+                <a16:creationId xmlns:a16="http://schemas.microsoft.com/office/drawing/2014/main" id="{77274846-A9C4-4947-A47A-778AAFAA5F50}"/>
+              </a:ext>
+            </a:extLst>
+          </p:cNvPr>
+          <p:cNvPicPr>
+            <a:picLocks noChangeAspect="1"/>
+          </p:cNvPicPr>
+          <p:nvPr/>
+        </p:nvPicPr>
+        <p:blipFill>
+          <a:blip r:embed="rId3">
+            <a:extLst>
+              <a:ext uri="{28A0092B-C50C-407E-A947-70E740481C1C}">
+                <a14:useLocalDpi xmlns:a14="http://schemas.microsoft.com/office/drawing/2010/main" val="0"/>
+              </a:ext>
+            </a:extLst>
+          </a:blip>
+          <a:stretch>
+            <a:fillRect/>
+          </a:stretch>
+        </p:blipFill>
+        <p:spPr>
+          <a:xfrm>
+            <a:off x="5801321" y="325517"/>
+            <a:ext cx="1911669" cy="1911669"/>
+          </a:xfrm>
+          <a:prstGeom prst="rect">
+            <a:avLst/>
+          </a:prstGeom>
+        </p:spPr>
+      </p:pic>
       <p:sp>
         <p:nvSpPr>
           <p:cNvPr id="2" name="Title 1">
@@ -4110,19 +3823,22 @@
         </p:nvSpPr>
         <p:spPr>
           <a:xfrm>
-            <a:off x="804672" y="4007335"/>
-            <a:ext cx="6455833" cy="1497998"/>
+            <a:off x="5465199" y="5351496"/>
+            <a:ext cx="4787490" cy="2702258"/>
           </a:xfrm>
         </p:spPr>
         <p:txBody>
           <a:bodyPr anchor="t">
-            <a:normAutofit/>
+            <a:normAutofit fontScale="90000"/>
           </a:bodyPr>
           <a:lstStyle/>
           <a:p>
             <a:pPr algn="l"/>
             <a:r>
-              <a:rPr lang="en-US" sz="4800"/>
+              <a:rPr lang="en-US" sz="5100" dirty="0">
+                <a:latin typeface="Segoe UI Semilight" panose="020B0402040204020203" pitchFamily="34" charset="0"/>
+                <a:cs typeface="Segoe UI Semilight" panose="020B0402040204020203" pitchFamily="34" charset="0"/>
+              </a:rPr>
               <a:t>Power Users Guide to Outlook 2016 Search</a:t>
             </a:r>
           </a:p>
@@ -4146,8 +3862,8 @@
         </p:nvSpPr>
         <p:spPr>
           <a:xfrm>
-            <a:off x="804672" y="3288965"/>
-            <a:ext cx="6455833" cy="665853"/>
+            <a:off x="5465201" y="3491613"/>
+            <a:ext cx="4787488" cy="1654144"/>
           </a:xfrm>
         </p:spPr>
         <p:txBody>
@@ -4158,7 +3874,10 @@
           <a:p>
             <a:pPr algn="l"/>
             <a:r>
-              <a:rPr lang="en-US" sz="2000"/>
+              <a:rPr lang="en-US" sz="3200" dirty="0">
+                <a:latin typeface="Segoe UI Light" panose="020B0502040204020203" pitchFamily="34" charset="0"/>
+                <a:cs typeface="Segoe UI Light" panose="020B0502040204020203" pitchFamily="34" charset="0"/>
+              </a:rPr>
               <a:t>Manage your inbox with ease with Microsoft Outlook 2016 search.</a:t>
             </a:r>
           </a:p>
@@ -4180,7 +3899,7 @@
 <file path=ppt/theme/theme1.xml><?xml version="1.0" encoding="utf-8"?>
 <a:theme xmlns:a="http://schemas.openxmlformats.org/drawingml/2006/main" name="Office Theme">
   <a:themeElements>
-    <a:clrScheme name="Office">
+    <a:clrScheme name="Office Theme">
       <a:dk1>
         <a:sysClr val="windowText" lastClr="000000"/>
       </a:dk1>
@@ -4218,7 +3937,7 @@
         <a:srgbClr val="954F72"/>
       </a:folHlink>
     </a:clrScheme>
-    <a:fontScheme name="Office">
+    <a:fontScheme name="Office Theme">
       <a:majorFont>
         <a:latin typeface="Calibri Light" panose="020F0302020204030204"/>
         <a:ea typeface=""/>
@@ -4253,23 +3972,6 @@
         <a:font script="Viet" typeface="Times New Roman"/>
         <a:font script="Uigh" typeface="Microsoft Uighur"/>
         <a:font script="Geor" typeface="Sylfaen"/>
-        <a:font script="Armn" typeface="Arial"/>
-        <a:font script="Bugi" typeface="Leelawadee UI"/>
-        <a:font script="Bopo" typeface="Microsoft JhengHei"/>
-        <a:font script="Java" typeface="Javanese Text"/>
-        <a:font script="Lisu" typeface="Segoe UI"/>
-        <a:font script="Mymr" typeface="Myanmar Text"/>
-        <a:font script="Nkoo" typeface="Ebrima"/>
-        <a:font script="Olck" typeface="Nirmala UI"/>
-        <a:font script="Osma" typeface="Ebrima"/>
-        <a:font script="Phag" typeface="Phagspa"/>
-        <a:font script="Syrn" typeface="Estrangelo Edessa"/>
-        <a:font script="Syrj" typeface="Estrangelo Edessa"/>
-        <a:font script="Syre" typeface="Estrangelo Edessa"/>
-        <a:font script="Sora" typeface="Nirmala UI"/>
-        <a:font script="Tale" typeface="Microsoft Tai Le"/>
-        <a:font script="Talu" typeface="Microsoft New Tai Lue"/>
-        <a:font script="Tfng" typeface="Ebrima"/>
       </a:majorFont>
       <a:minorFont>
         <a:latin typeface="Calibri" panose="020F0502020204030204"/>
@@ -4305,26 +4007,9 @@
         <a:font script="Viet" typeface="Arial"/>
         <a:font script="Uigh" typeface="Microsoft Uighur"/>
         <a:font script="Geor" typeface="Sylfaen"/>
-        <a:font script="Armn" typeface="Arial"/>
-        <a:font script="Bugi" typeface="Leelawadee UI"/>
-        <a:font script="Bopo" typeface="Microsoft JhengHei"/>
-        <a:font script="Java" typeface="Javanese Text"/>
-        <a:font script="Lisu" typeface="Segoe UI"/>
-        <a:font script="Mymr" typeface="Myanmar Text"/>
-        <a:font script="Nkoo" typeface="Ebrima"/>
-        <a:font script="Olck" typeface="Nirmala UI"/>
-        <a:font script="Osma" typeface="Ebrima"/>
-        <a:font script="Phag" typeface="Phagspa"/>
-        <a:font script="Syrn" typeface="Estrangelo Edessa"/>
-        <a:font script="Syrj" typeface="Estrangelo Edessa"/>
-        <a:font script="Syre" typeface="Estrangelo Edessa"/>
-        <a:font script="Sora" typeface="Nirmala UI"/>
-        <a:font script="Tale" typeface="Microsoft Tai Le"/>
-        <a:font script="Talu" typeface="Microsoft New Tai Lue"/>
-        <a:font script="Tfng" typeface="Ebrima"/>
       </a:minorFont>
     </a:fontScheme>
-    <a:fmtScheme name="Office">
+    <a:fmtScheme name="Office Theme">
       <a:fillStyleLst>
         <a:solidFill>
           <a:schemeClr val="phClr"/>
